--- a/pptx/konaoppi/konaoppi.pptx
+++ b/pptx/konaoppi/konaoppi.pptx
@@ -232,7 +232,7 @@
           <a:p>
             <a:fld id="{BA5A207F-0F91-42F2-96D0-049C6003623B}" type="datetimeFigureOut">
               <a:rPr lang="en-US"/>
-              <a:t>7/1/2022</a:t>
+              <a:t>7/2/2022</a:t>
             </a:fld>
             <a:endParaRPr dirty="0"/>
           </a:p>
@@ -397,7 +397,7 @@
           <a:p>
             <a:fld id="{48CC13F5-F2B1-464B-BE8F-27ABFBD2FBDE}" type="datetimeFigureOut">
               <a:rPr lang="en-US"/>
-              <a:t>7/1/2022</a:t>
+              <a:t>7/2/2022</a:t>
             </a:fld>
             <a:endParaRPr dirty="0"/>
           </a:p>
@@ -957,7 +957,7 @@
             <a:fld id="{3CD9712D-992A-4AB1-A5C2-575F75921AA2}" type="datetimeFigureOut">
               <a:rPr lang="en-US" smtClean="0"/>
               <a:pPr/>
-              <a:t>7/1/2022</a:t>
+              <a:t>7/2/2022</a:t>
             </a:fld>
             <a:endParaRPr lang="en-US" dirty="0"/>
           </a:p>
@@ -1185,7 +1185,7 @@
             <a:fld id="{3CD9712D-992A-4AB1-A5C2-575F75921AA2}" type="datetimeFigureOut">
               <a:rPr lang="en-US" smtClean="0"/>
               <a:pPr/>
-              <a:t>7/1/2022</a:t>
+              <a:t>7/2/2022</a:t>
             </a:fld>
             <a:endParaRPr lang="en-US" dirty="0"/>
           </a:p>
@@ -1407,7 +1407,7 @@
             <a:fld id="{3CD9712D-992A-4AB1-A5C2-575F75921AA2}" type="datetimeFigureOut">
               <a:rPr lang="en-US" smtClean="0"/>
               <a:pPr/>
-              <a:t>7/1/2022</a:t>
+              <a:t>7/2/2022</a:t>
             </a:fld>
             <a:endParaRPr lang="en-US" dirty="0"/>
           </a:p>
@@ -1619,7 +1619,7 @@
             <a:fld id="{3CD9712D-992A-4AB1-A5C2-575F75921AA2}" type="datetimeFigureOut">
               <a:rPr lang="en-US" smtClean="0"/>
               <a:pPr/>
-              <a:t>7/1/2022</a:t>
+              <a:t>7/2/2022</a:t>
             </a:fld>
             <a:endParaRPr lang="en-US" dirty="0"/>
           </a:p>
@@ -1910,7 +1910,7 @@
             <a:fld id="{3CD9712D-992A-4AB1-A5C2-575F75921AA2}" type="datetimeFigureOut">
               <a:rPr lang="en-US" smtClean="0"/>
               <a:pPr/>
-              <a:t>7/1/2022</a:t>
+              <a:t>7/2/2022</a:t>
             </a:fld>
             <a:endParaRPr lang="en-US" dirty="0"/>
           </a:p>
@@ -2228,7 +2228,7 @@
             <a:fld id="{3CD9712D-992A-4AB1-A5C2-575F75921AA2}" type="datetimeFigureOut">
               <a:rPr lang="en-US" smtClean="0"/>
               <a:pPr/>
-              <a:t>7/1/2022</a:t>
+              <a:t>7/2/2022</a:t>
             </a:fld>
             <a:endParaRPr lang="en-US" dirty="0"/>
           </a:p>
@@ -2686,7 +2686,7 @@
             <a:fld id="{3CD9712D-992A-4AB1-A5C2-575F75921AA2}" type="datetimeFigureOut">
               <a:rPr lang="en-US" smtClean="0"/>
               <a:pPr/>
-              <a:t>7/1/2022</a:t>
+              <a:t>7/2/2022</a:t>
             </a:fld>
             <a:endParaRPr lang="en-US" dirty="0"/>
           </a:p>
@@ -2830,7 +2830,7 @@
             <a:fld id="{3CD9712D-992A-4AB1-A5C2-575F75921AA2}" type="datetimeFigureOut">
               <a:rPr lang="en-US" smtClean="0"/>
               <a:pPr/>
-              <a:t>7/1/2022</a:t>
+              <a:t>7/2/2022</a:t>
             </a:fld>
             <a:endParaRPr lang="en-US" dirty="0"/>
           </a:p>
@@ -2965,7 +2965,7 @@
             <a:fld id="{3CD9712D-992A-4AB1-A5C2-575F75921AA2}" type="datetimeFigureOut">
               <a:rPr lang="en-US" smtClean="0"/>
               <a:pPr/>
-              <a:t>7/1/2022</a:t>
+              <a:t>7/2/2022</a:t>
             </a:fld>
             <a:endParaRPr lang="en-US" dirty="0"/>
           </a:p>
@@ -3274,7 +3274,7 @@
             <a:fld id="{3CD9712D-992A-4AB1-A5C2-575F75921AA2}" type="datetimeFigureOut">
               <a:rPr lang="en-US" smtClean="0"/>
               <a:pPr/>
-              <a:t>7/1/2022</a:t>
+              <a:t>7/2/2022</a:t>
             </a:fld>
             <a:endParaRPr lang="en-US" dirty="0"/>
           </a:p>
@@ -3787,7 +3787,7 @@
             <a:fld id="{3CD9712D-992A-4AB1-A5C2-575F75921AA2}" type="datetimeFigureOut">
               <a:rPr lang="en-US" smtClean="0"/>
               <a:pPr/>
-              <a:t>7/1/2022</a:t>
+              <a:t>7/2/2022</a:t>
             </a:fld>
             <a:endParaRPr lang="en-US" dirty="0"/>
           </a:p>
@@ -4391,14 +4391,14 @@
   <p:clrMapOvr>
     <a:masterClrMapping/>
   </p:clrMapOvr>
-  <mc:AlternateContent xmlns:mc="http://schemas.openxmlformats.org/markup-compatibility/2006" xmlns:p14="http://schemas.microsoft.com/office/powerpoint/2010/main">
-    <mc:Choice Requires="p14">
-      <p:transition spd="med" p14:dur="700">
-        <p:fade/>
+  <mc:AlternateContent xmlns:mc="http://schemas.openxmlformats.org/markup-compatibility/2006">
+    <mc:Choice xmlns:p15="http://schemas.microsoft.com/office/powerpoint/2012/main" Requires="p15">
+      <p:transition xmlns:p14="http://schemas.microsoft.com/office/powerpoint/2010/main" spd="slow" p14:dur="6000">
+        <p15:prstTrans prst="curtains"/>
       </p:transition>
     </mc:Choice>
-    <mc:Fallback xmlns="">
-      <p:transition spd="med">
+    <mc:Fallback>
+      <p:transition spd="slow">
         <p:fade/>
       </p:transition>
     </mc:Fallback>
@@ -4511,10 +4511,14 @@
   </p:clrMapOvr>
   <mc:AlternateContent xmlns:mc="http://schemas.openxmlformats.org/markup-compatibility/2006" xmlns:p14="http://schemas.microsoft.com/office/powerpoint/2010/main">
     <mc:Choice Requires="p14">
-      <p:transition p14:dur="0"/>
+      <p:transition spd="slow" p14:dur="2000">
+        <p14:prism isContent="1"/>
+      </p:transition>
     </mc:Choice>
     <mc:Fallback xmlns="">
-      <p:transition/>
+      <p:transition spd="slow">
+        <p:fade/>
+      </p:transition>
     </mc:Fallback>
   </mc:AlternateContent>
   <p:timing>
@@ -4886,12 +4890,12 @@
   </p:clrMapOvr>
   <mc:AlternateContent xmlns:mc="http://schemas.openxmlformats.org/markup-compatibility/2006" xmlns:p14="http://schemas.microsoft.com/office/powerpoint/2010/main">
     <mc:Choice Requires="p14">
-      <p:transition spd="med" p14:dur="700">
-        <p:fade/>
+      <p:transition spd="slow" p14:dur="1600">
+        <p14:prism isContent="1" isInverted="1"/>
       </p:transition>
     </mc:Choice>
     <mc:Fallback xmlns="">
-      <p:transition spd="med">
+      <p:transition spd="slow">
         <p:fade/>
       </p:transition>
     </mc:Fallback>
@@ -5359,18 +5363,9 @@
   <p:clrMapOvr>
     <a:masterClrMapping/>
   </p:clrMapOvr>
-  <mc:AlternateContent xmlns:mc="http://schemas.openxmlformats.org/markup-compatibility/2006" xmlns:p14="http://schemas.microsoft.com/office/powerpoint/2010/main">
-    <mc:Choice Requires="p14">
-      <p:transition spd="med" p14:dur="700">
-        <p:fade/>
-      </p:transition>
-    </mc:Choice>
-    <mc:Fallback xmlns="">
-      <p:transition spd="med">
-        <p:fade/>
-      </p:transition>
-    </mc:Fallback>
-  </mc:AlternateContent>
+  <p:transition spd="slow">
+    <p:push dir="u"/>
+  </p:transition>
   <p:timing>
     <p:tnLst>
       <p:par>
@@ -5910,15 +5905,15 @@
   <p:clrMapOvr>
     <a:masterClrMapping/>
   </p:clrMapOvr>
-  <mc:AlternateContent xmlns:mc="http://schemas.openxmlformats.org/markup-compatibility/2006" xmlns:p14="http://schemas.microsoft.com/office/powerpoint/2010/main">
-    <mc:Choice Requires="p14">
-      <p:transition spd="slow" p14:dur="1500">
-        <p:split orient="vert"/>
+  <mc:AlternateContent xmlns:mc="http://schemas.openxmlformats.org/markup-compatibility/2006">
+    <mc:Choice xmlns:p14="http://schemas.microsoft.com/office/powerpoint/2010/main" Requires="p14">
+      <p:transition spd="slow" p14:dur="2000">
+        <p14:prism isContent="1"/>
       </p:transition>
     </mc:Choice>
-    <mc:Fallback xmlns="">
+    <mc:Fallback>
       <p:transition spd="slow">
-        <p:split orient="vert"/>
+        <p:fade/>
       </p:transition>
     </mc:Fallback>
   </mc:AlternateContent>
@@ -6583,13 +6578,13 @@
   <p:clrMapOvr>
     <a:masterClrMapping/>
   </p:clrMapOvr>
-  <mc:AlternateContent xmlns:mc="http://schemas.openxmlformats.org/markup-compatibility/2006" xmlns:p14="http://schemas.microsoft.com/office/powerpoint/2010/main">
-    <mc:Choice Requires="p14">
-      <p:transition spd="slow" p14:dur="3400">
-        <p14:reveal/>
+  <mc:AlternateContent xmlns:mc="http://schemas.openxmlformats.org/markup-compatibility/2006">
+    <mc:Choice xmlns:p15="http://schemas.microsoft.com/office/powerpoint/2012/main" Requires="p15">
+      <p:transition xmlns:p14="http://schemas.microsoft.com/office/powerpoint/2010/main" spd="slow" p14:dur="1250">
+        <p15:prstTrans prst="peelOff"/>
       </p:transition>
     </mc:Choice>
-    <mc:Fallback xmlns="">
+    <mc:Fallback>
       <p:transition spd="slow">
         <p:fade/>
       </p:transition>
@@ -8131,14 +8126,14 @@
   <p:clrMapOvr>
     <a:masterClrMapping/>
   </p:clrMapOvr>
-  <mc:AlternateContent xmlns:mc="http://schemas.openxmlformats.org/markup-compatibility/2006" xmlns:p14="http://schemas.microsoft.com/office/powerpoint/2010/main">
-    <mc:Choice Requires="p14">
-      <p:transition spd="med" p14:dur="700">
-        <p:fade/>
+  <mc:AlternateContent xmlns:mc="http://schemas.openxmlformats.org/markup-compatibility/2006">
+    <mc:Choice xmlns:p15="http://schemas.microsoft.com/office/powerpoint/2012/main" Requires="p15">
+      <p:transition xmlns:p14="http://schemas.microsoft.com/office/powerpoint/2010/main" spd="slow" p14:dur="1250">
+        <p15:prstTrans prst="peelOff"/>
       </p:transition>
     </mc:Choice>
-    <mc:Fallback xmlns="">
-      <p:transition spd="med">
+    <mc:Fallback>
+      <p:transition spd="slow">
         <p:fade/>
       </p:transition>
     </mc:Fallback>
@@ -8323,15 +8318,15 @@
   <p:clrMapOvr>
     <a:masterClrMapping/>
   </p:clrMapOvr>
-  <mc:AlternateContent xmlns:mc="http://schemas.openxmlformats.org/markup-compatibility/2006" xmlns:p14="http://schemas.microsoft.com/office/powerpoint/2010/main">
-    <mc:Choice Requires="p14">
-      <p:transition spd="slow" p14:dur="800">
-        <p:circle/>
+  <mc:AlternateContent xmlns:mc="http://schemas.openxmlformats.org/markup-compatibility/2006">
+    <mc:Choice xmlns:p15="http://schemas.microsoft.com/office/powerpoint/2012/main" Requires="p15">
+      <p:transition xmlns:p14="http://schemas.microsoft.com/office/powerpoint/2010/main" spd="slow" p14:dur="2000">
+        <p15:prstTrans prst="crush"/>
       </p:transition>
     </mc:Choice>
-    <mc:Fallback xmlns="">
+    <mc:Fallback>
       <p:transition spd="slow">
-        <p:circle/>
+        <p:fade/>
       </p:transition>
     </mc:Fallback>
   </mc:AlternateContent>

--- a/pptx/konaoppi/konaoppi.pptx
+++ b/pptx/konaoppi/konaoppi.pptx
@@ -119,7 +119,7 @@
   </p:defaultTextStyle>
   <p:extLst>
     <p:ext uri="{EFAFB233-063F-42B5-8137-9DF3F51BA10A}">
-      <p15:sldGuideLst xmlns:p15="http://schemas.microsoft.com/office/powerpoint/2012/main">
+      <p15:sldGuideLst xmlns:p15="http://schemas.microsoft.com/office/powerpoint/2012/main" xmlns="">
         <p15:guide id="1" pos="3839" userDrawn="1">
           <p15:clr>
             <a:srgbClr val="A4A3A4"/>
@@ -133,7 +133,7 @@
       </p15:sldGuideLst>
     </p:ext>
     <p:ext uri="{2D200454-40CA-4A62-9FC3-DE9A4176ACB9}">
-      <p15:notesGuideLst xmlns:p15="http://schemas.microsoft.com/office/powerpoint/2012/main">
+      <p15:notesGuideLst xmlns:p15="http://schemas.microsoft.com/office/powerpoint/2012/main" xmlns="">
         <p15:guide id="1" orient="horz" pos="2880">
           <p15:clr>
             <a:srgbClr val="A4A3A4"/>
@@ -1038,7 +1038,7 @@
   </mc:AlternateContent>
   <p:extLst mod="1">
     <p:ext uri="{DCECCB84-F9BA-43D5-87BE-67443E8EF086}">
-      <p15:sldGuideLst xmlns:p15="http://schemas.microsoft.com/office/powerpoint/2012/main">
+      <p15:sldGuideLst xmlns:p15="http://schemas.microsoft.com/office/powerpoint/2012/main" xmlns="">
         <p15:guide id="1" orient="horz" pos="2160" userDrawn="1">
           <p15:clr>
             <a:srgbClr val="FBAE40"/>
@@ -4219,7 +4219,8 @@
           <a:p>
             <a:r>
               <a:rPr lang="en-US" sz="2800" dirty="0" smtClean="0">
-                <a:latin typeface="Bahnschrift" panose="020B0502040204020203" pitchFamily="34" charset="0"/>
+                <a:latin typeface="Arial" panose="020B0604020202020204" pitchFamily="34" charset="0"/>
+                <a:cs typeface="Arial" panose="020B0604020202020204" pitchFamily="34" charset="0"/>
               </a:rPr>
               <a:t>                                   </a:t>
             </a:r>
@@ -4265,7 +4266,10 @@
           </a:bodyPr>
           <a:lstStyle/>
           <a:p>
-            <a:endParaRPr lang="en-US" dirty="0" smtClean="0"/>
+            <a:endParaRPr lang="en-US" dirty="0" smtClean="0">
+              <a:latin typeface="Arial" panose="020B0604020202020204" pitchFamily="34" charset="0"/>
+              <a:cs typeface="Arial" panose="020B0604020202020204" pitchFamily="34" charset="0"/>
+            </a:endParaRPr>
           </a:p>
           <a:p>
             <a:r>
@@ -4273,6 +4277,8 @@
                 <a:solidFill>
                   <a:schemeClr val="tx2"/>
                 </a:solidFill>
+                <a:latin typeface="Arial" panose="020B0604020202020204" pitchFamily="34" charset="0"/>
+                <a:cs typeface="Arial" panose="020B0604020202020204" pitchFamily="34" charset="0"/>
               </a:rPr>
               <a:t>Presented by:</a:t>
             </a:r>
@@ -4283,6 +4289,8 @@
                 <a:solidFill>
                   <a:schemeClr val="tx2"/>
                 </a:solidFill>
+                <a:latin typeface="Arial" panose="020B0604020202020204" pitchFamily="34" charset="0"/>
+                <a:cs typeface="Arial" panose="020B0604020202020204" pitchFamily="34" charset="0"/>
               </a:rPr>
               <a:t> </a:t>
             </a:r>
@@ -4290,6 +4298,8 @@
               <a:solidFill>
                 <a:schemeClr val="tx2"/>
               </a:solidFill>
+              <a:latin typeface="Arial" panose="020B0604020202020204" pitchFamily="34" charset="0"/>
+              <a:cs typeface="Arial" panose="020B0604020202020204" pitchFamily="34" charset="0"/>
             </a:endParaRPr>
           </a:p>
           <a:p>
@@ -4298,6 +4308,8 @@
                 <a:solidFill>
                   <a:schemeClr val="tx2"/>
                 </a:solidFill>
+                <a:latin typeface="Arial" panose="020B0604020202020204" pitchFamily="34" charset="0"/>
+                <a:cs typeface="Arial" panose="020B0604020202020204" pitchFamily="34" charset="0"/>
               </a:rPr>
               <a:t>Nusrat  Ahamed Kona  &amp;  Arpita Das</a:t>
             </a:r>
@@ -4307,6 +4319,8 @@
               <a:solidFill>
                 <a:schemeClr val="tx2"/>
               </a:solidFill>
+              <a:latin typeface="Arial" panose="020B0604020202020204" pitchFamily="34" charset="0"/>
+              <a:cs typeface="Arial" panose="020B0604020202020204" pitchFamily="34" charset="0"/>
             </a:endParaRPr>
           </a:p>
           <a:p>
@@ -4314,6 +4328,8 @@
               <a:solidFill>
                 <a:schemeClr val="tx2"/>
               </a:solidFill>
+              <a:latin typeface="Arial" panose="020B0604020202020204" pitchFamily="34" charset="0"/>
+              <a:cs typeface="Arial" panose="020B0604020202020204" pitchFamily="34" charset="0"/>
             </a:endParaRPr>
           </a:p>
           <a:p>
@@ -4321,6 +4337,8 @@
               <a:solidFill>
                 <a:schemeClr val="tx2"/>
               </a:solidFill>
+              <a:latin typeface="Arial" panose="020B0604020202020204" pitchFamily="34" charset="0"/>
+              <a:cs typeface="Arial" panose="020B0604020202020204" pitchFamily="34" charset="0"/>
             </a:endParaRPr>
           </a:p>
           <a:p>
@@ -4329,6 +4347,8 @@
                 <a:solidFill>
                   <a:schemeClr val="tx2"/>
                 </a:solidFill>
+                <a:latin typeface="Arial" panose="020B0604020202020204" pitchFamily="34" charset="0"/>
+                <a:cs typeface="Arial" panose="020B0604020202020204" pitchFamily="34" charset="0"/>
               </a:rPr>
               <a:t>Presented to:</a:t>
             </a:r>
@@ -4338,6 +4358,8 @@
               <a:solidFill>
                 <a:schemeClr val="tx2"/>
               </a:solidFill>
+              <a:latin typeface="Arial" panose="020B0604020202020204" pitchFamily="34" charset="0"/>
+              <a:cs typeface="Arial" panose="020B0604020202020204" pitchFamily="34" charset="0"/>
             </a:endParaRPr>
           </a:p>
           <a:p>
@@ -4346,6 +4368,8 @@
                 <a:solidFill>
                   <a:schemeClr val="tx2"/>
                 </a:solidFill>
+                <a:latin typeface="Arial" panose="020B0604020202020204" pitchFamily="34" charset="0"/>
+                <a:cs typeface="Arial" panose="020B0604020202020204" pitchFamily="34" charset="0"/>
               </a:rPr>
               <a:t>Md.Mizanur Rahman</a:t>
             </a:r>
@@ -4353,6 +4377,8 @@
               <a:solidFill>
                 <a:schemeClr val="tx2"/>
               </a:solidFill>
+              <a:latin typeface="Arial" panose="020B0604020202020204" pitchFamily="34" charset="0"/>
+              <a:cs typeface="Arial" panose="020B0604020202020204" pitchFamily="34" charset="0"/>
             </a:endParaRPr>
           </a:p>
         </p:txBody>
@@ -4392,7 +4418,7 @@
     <a:masterClrMapping/>
   </p:clrMapOvr>
   <mc:AlternateContent xmlns:mc="http://schemas.openxmlformats.org/markup-compatibility/2006">
-    <mc:Choice xmlns:p15="http://schemas.microsoft.com/office/powerpoint/2012/main" Requires="p15">
+    <mc:Choice xmlns:p15="http://schemas.microsoft.com/office/powerpoint/2012/main" xmlns="" Requires="p15">
       <p:transition xmlns:p14="http://schemas.microsoft.com/office/powerpoint/2010/main" spd="slow" p14:dur="6000">
         <p15:prstTrans prst="curtains"/>
       </p:transition>
@@ -4455,6 +4481,8 @@
                 <a:solidFill>
                   <a:schemeClr val="tx2"/>
                 </a:solidFill>
+                <a:latin typeface="Arial" panose="020B0604020202020204" pitchFamily="34" charset="0"/>
+                <a:cs typeface="Arial" panose="020B0604020202020204" pitchFamily="34" charset="0"/>
               </a:rPr>
               <a:t>Problem Name-</a:t>
             </a:r>
@@ -4462,6 +4490,8 @@
               <a:solidFill>
                 <a:schemeClr val="tx2"/>
               </a:solidFill>
+              <a:latin typeface="Arial" panose="020B0604020202020204" pitchFamily="34" charset="0"/>
+              <a:cs typeface="Arial" panose="020B0604020202020204" pitchFamily="34" charset="0"/>
             </a:endParaRPr>
           </a:p>
         </p:txBody>
@@ -4493,6 +4523,8 @@
                 <a:solidFill>
                   <a:schemeClr val="tx2"/>
                 </a:solidFill>
+                <a:latin typeface="Arial" panose="020B0604020202020204" pitchFamily="34" charset="0"/>
+                <a:cs typeface="Arial" panose="020B0604020202020204" pitchFamily="34" charset="0"/>
               </a:rPr>
               <a:t>Write a C Program to find whether the given number is prime.</a:t>
             </a:r>
@@ -4721,8 +4753,8 @@
                 <a:solidFill>
                   <a:srgbClr val="121213"/>
                 </a:solidFill>
-                <a:latin typeface="Segoe UI" panose="020B0502040204020203" pitchFamily="34" charset="0"/>
-                <a:cs typeface="Segoe UI" panose="020B0502040204020203" pitchFamily="34" charset="0"/>
+                <a:latin typeface="Arial" panose="020B0604020202020204" pitchFamily="34" charset="0"/>
+                <a:cs typeface="Arial" panose="020B0604020202020204" pitchFamily="34" charset="0"/>
               </a:rPr>
               <a:t>Prime number</a:t>
             </a:r>
@@ -4731,8 +4763,8 @@
                 <a:solidFill>
                   <a:srgbClr val="121213"/>
                 </a:solidFill>
-                <a:latin typeface="Segoe UI" panose="020B0502040204020203" pitchFamily="34" charset="0"/>
-                <a:cs typeface="Segoe UI" panose="020B0502040204020203" pitchFamily="34" charset="0"/>
+                <a:latin typeface="Arial" panose="020B0604020202020204" pitchFamily="34" charset="0"/>
+                <a:cs typeface="Arial" panose="020B0604020202020204" pitchFamily="34" charset="0"/>
               </a:rPr>
               <a:t> is a positive integer greater than 1 that is only divisible by 1 and itself. For example: 2, 3 , 5, 7, 11 are the first five prime numbers</a:t>
             </a:r>
@@ -4741,24 +4773,30 @@
                 <a:solidFill>
                   <a:srgbClr val="121213"/>
                 </a:solidFill>
-                <a:latin typeface="Segoe UI" panose="020B0502040204020203" pitchFamily="34" charset="0"/>
-                <a:cs typeface="Segoe UI" panose="020B0502040204020203" pitchFamily="34" charset="0"/>
+                <a:latin typeface="Arial" panose="020B0604020202020204" pitchFamily="34" charset="0"/>
+                <a:cs typeface="Arial" panose="020B0604020202020204" pitchFamily="34" charset="0"/>
               </a:rPr>
               <a:t>.</a:t>
             </a:r>
             <a:r>
-              <a:rPr lang="en-US" dirty="0"/>
+              <a:rPr lang="en-US" dirty="0">
+                <a:latin typeface="Arial" panose="020B0604020202020204" pitchFamily="34" charset="0"/>
+                <a:cs typeface="Arial" panose="020B0604020202020204" pitchFamily="34" charset="0"/>
+              </a:rPr>
               <a:t> </a:t>
             </a:r>
             <a:br>
-              <a:rPr lang="en-US" dirty="0"/>
+              <a:rPr lang="en-US" dirty="0">
+                <a:latin typeface="Arial" panose="020B0604020202020204" pitchFamily="34" charset="0"/>
+                <a:cs typeface="Arial" panose="020B0604020202020204" pitchFamily="34" charset="0"/>
+              </a:rPr>
             </a:br>
             <a:endParaRPr lang="en-US" sz="2400" dirty="0">
               <a:solidFill>
                 <a:srgbClr val="121213"/>
               </a:solidFill>
-              <a:latin typeface="Segoe UI" panose="020B0502040204020203" pitchFamily="34" charset="0"/>
-              <a:cs typeface="Segoe UI" panose="020B0502040204020203" pitchFamily="34" charset="0"/>
+              <a:latin typeface="Arial" panose="020B0604020202020204" pitchFamily="34" charset="0"/>
+              <a:cs typeface="Arial" panose="020B0604020202020204" pitchFamily="34" charset="0"/>
             </a:endParaRPr>
           </a:p>
         </p:txBody>
@@ -4784,11 +4822,17 @@
           <a:lstStyle/>
           <a:p>
             <a:r>
-              <a:rPr lang="en-US" dirty="0"/>
+              <a:rPr lang="en-US" dirty="0">
+                <a:latin typeface="Arial" panose="020B0604020202020204" pitchFamily="34" charset="0"/>
+                <a:cs typeface="Arial" panose="020B0604020202020204" pitchFamily="34" charset="0"/>
+              </a:rPr>
               <a:t/>
             </a:r>
             <a:br>
-              <a:rPr lang="en-US" dirty="0"/>
+              <a:rPr lang="en-US" dirty="0">
+                <a:latin typeface="Arial" panose="020B0604020202020204" pitchFamily="34" charset="0"/>
+                <a:cs typeface="Arial" panose="020B0604020202020204" pitchFamily="34" charset="0"/>
+              </a:rPr>
             </a:br>
             <a:r>
               <a:rPr lang="en-US" sz="3600" dirty="0" smtClean="0">
@@ -4837,9 +4881,9 @@
                 <a:solidFill>
                   <a:schemeClr val="tx2"/>
                 </a:solidFill>
-                <a:latin typeface="Segoe UI Historic" panose="020B0502040204020203" pitchFamily="34" charset="0"/>
+                <a:latin typeface="Arial" panose="020B0604020202020204" pitchFamily="34" charset="0"/>
                 <a:ea typeface="Segoe UI Historic" panose="020B0502040204020203" pitchFamily="34" charset="0"/>
-                <a:cs typeface="Segoe UI Historic" panose="020B0502040204020203" pitchFamily="34" charset="0"/>
+                <a:cs typeface="Arial" panose="020B0604020202020204" pitchFamily="34" charset="0"/>
               </a:rPr>
               <a:t>Prime </a:t>
             </a:r>
@@ -4848,9 +4892,9 @@
                 <a:solidFill>
                   <a:schemeClr val="tx2"/>
                 </a:solidFill>
-                <a:latin typeface="Segoe UI Historic" panose="020B0502040204020203" pitchFamily="34" charset="0"/>
+                <a:latin typeface="Arial" panose="020B0604020202020204" pitchFamily="34" charset="0"/>
                 <a:ea typeface="Segoe UI Historic" panose="020B0502040204020203" pitchFamily="34" charset="0"/>
-                <a:cs typeface="Segoe UI Historic" panose="020B0502040204020203" pitchFamily="34" charset="0"/>
+                <a:cs typeface="Arial" panose="020B0604020202020204" pitchFamily="34" charset="0"/>
               </a:rPr>
               <a:t>numbers are the numbers which have only two factors, the number itself </a:t>
             </a:r>
@@ -4859,22 +4903,31 @@
                 <a:solidFill>
                   <a:schemeClr val="tx2"/>
                 </a:solidFill>
-                <a:latin typeface="Segoe UI Historic" panose="020B0502040204020203" pitchFamily="34" charset="0"/>
+                <a:latin typeface="Arial" panose="020B0604020202020204" pitchFamily="34" charset="0"/>
                 <a:ea typeface="Segoe UI Historic" panose="020B0502040204020203" pitchFamily="34" charset="0"/>
-                <a:cs typeface="Segoe UI Historic" panose="020B0502040204020203" pitchFamily="34" charset="0"/>
+                <a:cs typeface="Arial" panose="020B0604020202020204" pitchFamily="34" charset="0"/>
               </a:rPr>
               <a:t>and 1. So we have to find such numbers which have only two factors.</a:t>
             </a:r>
           </a:p>
           <a:p>
             <a:r>
-              <a:rPr lang="en-US" dirty="0"/>
+              <a:rPr lang="en-US" dirty="0">
+                <a:latin typeface="Arial" panose="020B0604020202020204" pitchFamily="34" charset="0"/>
+                <a:cs typeface="Arial" panose="020B0604020202020204" pitchFamily="34" charset="0"/>
+              </a:rPr>
               <a:t/>
             </a:r>
             <a:br>
-              <a:rPr lang="en-US" dirty="0"/>
+              <a:rPr lang="en-US" dirty="0">
+                <a:latin typeface="Arial" panose="020B0604020202020204" pitchFamily="34" charset="0"/>
+                <a:cs typeface="Arial" panose="020B0604020202020204" pitchFamily="34" charset="0"/>
+              </a:rPr>
             </a:br>
-            <a:endParaRPr lang="en-US" dirty="0"/>
+            <a:endParaRPr lang="en-US" dirty="0">
+              <a:latin typeface="Arial" panose="020B0604020202020204" pitchFamily="34" charset="0"/>
+              <a:cs typeface="Arial" panose="020B0604020202020204" pitchFamily="34" charset="0"/>
+            </a:endParaRPr>
           </a:p>
         </p:txBody>
       </p:sp>
@@ -4952,6 +5005,8 @@
                 <a:solidFill>
                   <a:schemeClr val="tx2"/>
                 </a:solidFill>
+                <a:latin typeface="Arial" panose="020B0604020202020204" pitchFamily="34" charset="0"/>
+                <a:cs typeface="Arial" panose="020B0604020202020204" pitchFamily="34" charset="0"/>
               </a:rPr>
               <a:t>                       Example-</a:t>
             </a:r>
@@ -4959,6 +5014,8 @@
               <a:solidFill>
                 <a:schemeClr val="tx2"/>
               </a:solidFill>
+              <a:latin typeface="Arial" panose="020B0604020202020204" pitchFamily="34" charset="0"/>
+              <a:cs typeface="Arial" panose="020B0604020202020204" pitchFamily="34" charset="0"/>
             </a:endParaRPr>
           </a:p>
         </p:txBody>
@@ -4988,6 +5045,8 @@
                 <a:solidFill>
                   <a:schemeClr val="tx2"/>
                 </a:solidFill>
+                <a:latin typeface="Arial" panose="020B0604020202020204" pitchFamily="34" charset="0"/>
+                <a:cs typeface="Arial" panose="020B0604020202020204" pitchFamily="34" charset="0"/>
               </a:rPr>
               <a:t>Prime number</a:t>
             </a:r>
@@ -4995,6 +5054,8 @@
               <a:solidFill>
                 <a:schemeClr val="tx2"/>
               </a:solidFill>
+              <a:latin typeface="Arial" panose="020B0604020202020204" pitchFamily="34" charset="0"/>
+              <a:cs typeface="Arial" panose="020B0604020202020204" pitchFamily="34" charset="0"/>
             </a:endParaRPr>
           </a:p>
         </p:txBody>
@@ -5025,7 +5086,10 @@
               <a:buNone/>
             </a:pPr>
             <a:r>
-              <a:rPr lang="en-US" sz="3200" dirty="0" smtClean="0"/>
+              <a:rPr lang="en-US" sz="3200" dirty="0" smtClean="0">
+                <a:latin typeface="Arial" panose="020B0604020202020204" pitchFamily="34" charset="0"/>
+                <a:cs typeface="Arial" panose="020B0604020202020204" pitchFamily="34" charset="0"/>
+              </a:rPr>
               <a:t>          3</a:t>
             </a:r>
           </a:p>
@@ -5033,17 +5097,26 @@
             <a:pPr marL="0" indent="0">
               <a:buNone/>
             </a:pPr>
-            <a:endParaRPr lang="en-US" sz="3200" dirty="0"/>
+            <a:endParaRPr lang="en-US" sz="3200" dirty="0">
+              <a:latin typeface="Arial" panose="020B0604020202020204" pitchFamily="34" charset="0"/>
+              <a:cs typeface="Arial" panose="020B0604020202020204" pitchFamily="34" charset="0"/>
+            </a:endParaRPr>
           </a:p>
           <a:p>
             <a:pPr marL="0" indent="0">
               <a:buNone/>
             </a:pPr>
             <a:r>
-              <a:rPr lang="en-US" sz="3200" dirty="0" smtClean="0"/>
+              <a:rPr lang="en-US" sz="3200" dirty="0" smtClean="0">
+                <a:latin typeface="Arial" panose="020B0604020202020204" pitchFamily="34" charset="0"/>
+                <a:cs typeface="Arial" panose="020B0604020202020204" pitchFamily="34" charset="0"/>
+              </a:rPr>
               <a:t>     1         3</a:t>
             </a:r>
-            <a:endParaRPr lang="en-US" sz="3200" dirty="0"/>
+            <a:endParaRPr lang="en-US" sz="3200" dirty="0">
+              <a:latin typeface="Arial" panose="020B0604020202020204" pitchFamily="34" charset="0"/>
+              <a:cs typeface="Arial" panose="020B0604020202020204" pitchFamily="34" charset="0"/>
+            </a:endParaRPr>
           </a:p>
         </p:txBody>
       </p:sp>
@@ -5072,6 +5145,8 @@
                 <a:solidFill>
                   <a:schemeClr val="tx2"/>
                 </a:solidFill>
+                <a:latin typeface="Arial" panose="020B0604020202020204" pitchFamily="34" charset="0"/>
+                <a:cs typeface="Arial" panose="020B0604020202020204" pitchFamily="34" charset="0"/>
               </a:rPr>
               <a:t>Not a Prime number</a:t>
             </a:r>
@@ -5079,6 +5154,8 @@
               <a:solidFill>
                 <a:schemeClr val="tx2"/>
               </a:solidFill>
+              <a:latin typeface="Arial" panose="020B0604020202020204" pitchFamily="34" charset="0"/>
+              <a:cs typeface="Arial" panose="020B0604020202020204" pitchFamily="34" charset="0"/>
             </a:endParaRPr>
           </a:p>
         </p:txBody>
@@ -5107,15 +5184,24 @@
               <a:buNone/>
             </a:pPr>
             <a:r>
-              <a:rPr lang="en-US" dirty="0"/>
+              <a:rPr lang="en-US" dirty="0">
+                <a:latin typeface="Arial" panose="020B0604020202020204" pitchFamily="34" charset="0"/>
+                <a:cs typeface="Arial" panose="020B0604020202020204" pitchFamily="34" charset="0"/>
+              </a:rPr>
               <a:t> </a:t>
             </a:r>
             <a:r>
-              <a:rPr lang="en-US" dirty="0" smtClean="0"/>
+              <a:rPr lang="en-US" dirty="0" smtClean="0">
+                <a:latin typeface="Arial" panose="020B0604020202020204" pitchFamily="34" charset="0"/>
+                <a:cs typeface="Arial" panose="020B0604020202020204" pitchFamily="34" charset="0"/>
+              </a:rPr>
               <a:t>                 </a:t>
             </a:r>
             <a:r>
-              <a:rPr lang="en-US" sz="3200" dirty="0" smtClean="0"/>
+              <a:rPr lang="en-US" sz="3200" dirty="0" smtClean="0">
+                <a:latin typeface="Arial" panose="020B0604020202020204" pitchFamily="34" charset="0"/>
+                <a:cs typeface="Arial" panose="020B0604020202020204" pitchFamily="34" charset="0"/>
+              </a:rPr>
               <a:t>8</a:t>
             </a:r>
           </a:p>
@@ -5123,17 +5209,26 @@
             <a:pPr marL="0" indent="0">
               <a:buNone/>
             </a:pPr>
-            <a:endParaRPr lang="en-US" sz="3200" dirty="0"/>
+            <a:endParaRPr lang="en-US" sz="3200" dirty="0">
+              <a:latin typeface="Arial" panose="020B0604020202020204" pitchFamily="34" charset="0"/>
+              <a:cs typeface="Arial" panose="020B0604020202020204" pitchFamily="34" charset="0"/>
+            </a:endParaRPr>
           </a:p>
           <a:p>
             <a:pPr marL="0" indent="0">
               <a:buNone/>
             </a:pPr>
             <a:r>
-              <a:rPr lang="en-US" sz="3200" dirty="0" smtClean="0"/>
+              <a:rPr lang="en-US" sz="3200" dirty="0" smtClean="0">
+                <a:latin typeface="Arial" panose="020B0604020202020204" pitchFamily="34" charset="0"/>
+                <a:cs typeface="Arial" panose="020B0604020202020204" pitchFamily="34" charset="0"/>
+              </a:rPr>
               <a:t>      4   1    2  8</a:t>
             </a:r>
-            <a:endParaRPr lang="en-US" sz="3200" dirty="0"/>
+            <a:endParaRPr lang="en-US" sz="3200" dirty="0">
+              <a:latin typeface="Arial" panose="020B0604020202020204" pitchFamily="34" charset="0"/>
+              <a:cs typeface="Arial" panose="020B0604020202020204" pitchFamily="34" charset="0"/>
+            </a:endParaRPr>
           </a:p>
         </p:txBody>
       </p:sp>
@@ -5659,6 +5754,8 @@
               <a:solidFill>
                 <a:schemeClr val="tx2"/>
               </a:solidFill>
+              <a:latin typeface="Arial" panose="020B0604020202020204" pitchFamily="34" charset="0"/>
+              <a:cs typeface="Arial" panose="020B0604020202020204" pitchFamily="34" charset="0"/>
             </a:endParaRPr>
           </a:p>
           <a:p>
@@ -5667,6 +5764,8 @@
                 <a:solidFill>
                   <a:schemeClr val="tx2"/>
                 </a:solidFill>
+                <a:latin typeface="Arial" panose="020B0604020202020204" pitchFamily="34" charset="0"/>
+                <a:cs typeface="Arial" panose="020B0604020202020204" pitchFamily="34" charset="0"/>
               </a:rPr>
               <a:t>The C program of the Problem is -</a:t>
             </a:r>
@@ -5676,6 +5775,8 @@
               <a:solidFill>
                 <a:schemeClr val="tx2"/>
               </a:solidFill>
+              <a:latin typeface="Arial" panose="020B0604020202020204" pitchFamily="34" charset="0"/>
+              <a:cs typeface="Arial" panose="020B0604020202020204" pitchFamily="34" charset="0"/>
             </a:endParaRPr>
           </a:p>
           <a:p>
@@ -5684,6 +5785,8 @@
                 <a:solidFill>
                   <a:schemeClr val="tx2"/>
                 </a:solidFill>
+                <a:latin typeface="Arial" panose="020B0604020202020204" pitchFamily="34" charset="0"/>
+                <a:cs typeface="Arial" panose="020B0604020202020204" pitchFamily="34" charset="0"/>
               </a:rPr>
               <a:t>#</a:t>
             </a:r>
@@ -5692,6 +5795,8 @@
                 <a:solidFill>
                   <a:schemeClr val="tx2"/>
                 </a:solidFill>
+                <a:latin typeface="Arial" panose="020B0604020202020204" pitchFamily="34" charset="0"/>
+                <a:cs typeface="Arial" panose="020B0604020202020204" pitchFamily="34" charset="0"/>
               </a:rPr>
               <a:t>include&lt;stdio.h&gt;</a:t>
             </a:r>
@@ -5702,6 +5807,8 @@
                 <a:solidFill>
                   <a:schemeClr val="tx2"/>
                 </a:solidFill>
+                <a:latin typeface="Arial" panose="020B0604020202020204" pitchFamily="34" charset="0"/>
+                <a:cs typeface="Arial" panose="020B0604020202020204" pitchFamily="34" charset="0"/>
               </a:rPr>
               <a:t>void main()</a:t>
             </a:r>
@@ -5712,6 +5819,8 @@
                 <a:solidFill>
                   <a:schemeClr val="tx2"/>
                 </a:solidFill>
+                <a:latin typeface="Arial" panose="020B0604020202020204" pitchFamily="34" charset="0"/>
+                <a:cs typeface="Arial" panose="020B0604020202020204" pitchFamily="34" charset="0"/>
               </a:rPr>
               <a:t>{</a:t>
             </a:r>
@@ -5722,6 +5831,8 @@
                 <a:solidFill>
                   <a:schemeClr val="tx2"/>
                 </a:solidFill>
+                <a:latin typeface="Arial" panose="020B0604020202020204" pitchFamily="34" charset="0"/>
+                <a:cs typeface="Arial" panose="020B0604020202020204" pitchFamily="34" charset="0"/>
               </a:rPr>
               <a:t>    int i,n,count;</a:t>
             </a:r>
@@ -5732,6 +5843,8 @@
                 <a:solidFill>
                   <a:schemeClr val="tx2"/>
                 </a:solidFill>
+                <a:latin typeface="Arial" panose="020B0604020202020204" pitchFamily="34" charset="0"/>
+                <a:cs typeface="Arial" panose="020B0604020202020204" pitchFamily="34" charset="0"/>
               </a:rPr>
               <a:t>    count=0;</a:t>
             </a:r>
@@ -5742,6 +5855,8 @@
                 <a:solidFill>
                   <a:schemeClr val="tx2"/>
                 </a:solidFill>
+                <a:latin typeface="Arial" panose="020B0604020202020204" pitchFamily="34" charset="0"/>
+                <a:cs typeface="Arial" panose="020B0604020202020204" pitchFamily="34" charset="0"/>
               </a:rPr>
               <a:t>    printf("Enter any number= ");</a:t>
             </a:r>
@@ -5752,6 +5867,8 @@
                 <a:solidFill>
                   <a:schemeClr val="tx2"/>
                 </a:solidFill>
+                <a:latin typeface="Arial" panose="020B0604020202020204" pitchFamily="34" charset="0"/>
+                <a:cs typeface="Arial" panose="020B0604020202020204" pitchFamily="34" charset="0"/>
               </a:rPr>
               <a:t>    scanf("%d",&amp;n);</a:t>
             </a:r>
@@ -5761,6 +5878,8 @@
               <a:solidFill>
                 <a:schemeClr val="tx2"/>
               </a:solidFill>
+              <a:latin typeface="Arial" panose="020B0604020202020204" pitchFamily="34" charset="0"/>
+              <a:cs typeface="Arial" panose="020B0604020202020204" pitchFamily="34" charset="0"/>
             </a:endParaRPr>
           </a:p>
           <a:p>
@@ -5769,6 +5888,8 @@
                 <a:solidFill>
                   <a:schemeClr val="tx2"/>
                 </a:solidFill>
+                <a:latin typeface="Arial" panose="020B0604020202020204" pitchFamily="34" charset="0"/>
+                <a:cs typeface="Arial" panose="020B0604020202020204" pitchFamily="34" charset="0"/>
               </a:rPr>
               <a:t>    for(i=2;i&lt;n;i++);</a:t>
             </a:r>
@@ -5779,6 +5900,8 @@
                 <a:solidFill>
                   <a:schemeClr val="tx2"/>
                 </a:solidFill>
+                <a:latin typeface="Arial" panose="020B0604020202020204" pitchFamily="34" charset="0"/>
+                <a:cs typeface="Arial" panose="020B0604020202020204" pitchFamily="34" charset="0"/>
               </a:rPr>
               <a:t>     {</a:t>
             </a:r>
@@ -5789,9 +5912,28 @@
                 <a:solidFill>
                   <a:schemeClr val="tx2"/>
                 </a:solidFill>
-              </a:rPr>
-              <a:t>        if(n%i==0)</a:t>
-            </a:r>
+                <a:latin typeface="Arial" panose="020B0604020202020204" pitchFamily="34" charset="0"/>
+                <a:cs typeface="Arial" panose="020B0604020202020204" pitchFamily="34" charset="0"/>
+              </a:rPr>
+              <a:t>        if(n%i==</a:t>
+            </a:r>
+            <a:r>
+              <a:rPr lang="en-US" dirty="0" smtClean="0">
+                <a:solidFill>
+                  <a:schemeClr val="tx2"/>
+                </a:solidFill>
+                <a:latin typeface="Arial" panose="020B0604020202020204" pitchFamily="34" charset="0"/>
+                <a:cs typeface="Arial" panose="020B0604020202020204" pitchFamily="34" charset="0"/>
+              </a:rPr>
+              <a:t>0)</a:t>
+            </a:r>
+            <a:endParaRPr lang="en-US" dirty="0">
+              <a:solidFill>
+                <a:schemeClr val="tx2"/>
+              </a:solidFill>
+              <a:latin typeface="Arial" panose="020B0604020202020204" pitchFamily="34" charset="0"/>
+              <a:cs typeface="Arial" panose="020B0604020202020204" pitchFamily="34" charset="0"/>
+            </a:endParaRPr>
           </a:p>
           <a:p>
             <a:r>
@@ -5799,6 +5941,8 @@
                 <a:solidFill>
                   <a:schemeClr val="tx2"/>
                 </a:solidFill>
+                <a:latin typeface="Arial" panose="020B0604020202020204" pitchFamily="34" charset="0"/>
+                <a:cs typeface="Arial" panose="020B0604020202020204" pitchFamily="34" charset="0"/>
               </a:rPr>
               <a:t>        {</a:t>
             </a:r>
@@ -5809,6 +5953,8 @@
                 <a:solidFill>
                   <a:schemeClr val="tx2"/>
                 </a:solidFill>
+                <a:latin typeface="Arial" panose="020B0604020202020204" pitchFamily="34" charset="0"/>
+                <a:cs typeface="Arial" panose="020B0604020202020204" pitchFamily="34" charset="0"/>
               </a:rPr>
               <a:t>            count++;</a:t>
             </a:r>
@@ -5819,6 +5965,8 @@
                 <a:solidFill>
                   <a:schemeClr val="tx2"/>
                 </a:solidFill>
+                <a:latin typeface="Arial" panose="020B0604020202020204" pitchFamily="34" charset="0"/>
+                <a:cs typeface="Arial" panose="020B0604020202020204" pitchFamily="34" charset="0"/>
               </a:rPr>
               <a:t>            break;</a:t>
             </a:r>
@@ -5829,6 +5977,8 @@
                 <a:solidFill>
                   <a:schemeClr val="tx2"/>
                 </a:solidFill>
+                <a:latin typeface="Arial" panose="020B0604020202020204" pitchFamily="34" charset="0"/>
+                <a:cs typeface="Arial" panose="020B0604020202020204" pitchFamily="34" charset="0"/>
               </a:rPr>
               <a:t>        }</a:t>
             </a:r>
@@ -5839,6 +5989,8 @@
                 <a:solidFill>
                   <a:schemeClr val="tx2"/>
                 </a:solidFill>
+                <a:latin typeface="Arial" panose="020B0604020202020204" pitchFamily="34" charset="0"/>
+                <a:cs typeface="Arial" panose="020B0604020202020204" pitchFamily="34" charset="0"/>
               </a:rPr>
               <a:t>     }</a:t>
             </a:r>
@@ -5849,6 +6001,8 @@
                 <a:solidFill>
                   <a:schemeClr val="tx2"/>
                 </a:solidFill>
+                <a:latin typeface="Arial" panose="020B0604020202020204" pitchFamily="34" charset="0"/>
+                <a:cs typeface="Arial" panose="020B0604020202020204" pitchFamily="34" charset="0"/>
               </a:rPr>
               <a:t>    if(count==0)</a:t>
             </a:r>
@@ -5859,6 +6013,8 @@
                 <a:solidFill>
                   <a:schemeClr val="tx2"/>
                 </a:solidFill>
+                <a:latin typeface="Arial" panose="020B0604020202020204" pitchFamily="34" charset="0"/>
+                <a:cs typeface="Arial" panose="020B0604020202020204" pitchFamily="34" charset="0"/>
               </a:rPr>
               <a:t>        printf("%d is a Prime Number");</a:t>
             </a:r>
@@ -5869,6 +6025,8 @@
                 <a:solidFill>
                   <a:schemeClr val="tx2"/>
                 </a:solidFill>
+                <a:latin typeface="Arial" panose="020B0604020202020204" pitchFamily="34" charset="0"/>
+                <a:cs typeface="Arial" panose="020B0604020202020204" pitchFamily="34" charset="0"/>
               </a:rPr>
               <a:t>    else</a:t>
             </a:r>
@@ -5879,6 +6037,8 @@
                 <a:solidFill>
                   <a:schemeClr val="tx2"/>
                 </a:solidFill>
+                <a:latin typeface="Arial" panose="020B0604020202020204" pitchFamily="34" charset="0"/>
+                <a:cs typeface="Arial" panose="020B0604020202020204" pitchFamily="34" charset="0"/>
               </a:rPr>
               <a:t>        printf("%d is Not a Prime Number");</a:t>
             </a:r>
@@ -5889,6 +6049,8 @@
                 <a:solidFill>
                   <a:schemeClr val="tx2"/>
                 </a:solidFill>
+                <a:latin typeface="Arial" panose="020B0604020202020204" pitchFamily="34" charset="0"/>
+                <a:cs typeface="Arial" panose="020B0604020202020204" pitchFamily="34" charset="0"/>
               </a:rPr>
               <a:t>}</a:t>
             </a:r>
@@ -5905,13 +6067,13 @@
   <p:clrMapOvr>
     <a:masterClrMapping/>
   </p:clrMapOvr>
-  <mc:AlternateContent xmlns:mc="http://schemas.openxmlformats.org/markup-compatibility/2006">
-    <mc:Choice xmlns:p14="http://schemas.microsoft.com/office/powerpoint/2010/main" Requires="p14">
+  <mc:AlternateContent xmlns:mc="http://schemas.openxmlformats.org/markup-compatibility/2006" xmlns:p14="http://schemas.microsoft.com/office/powerpoint/2010/main">
+    <mc:Choice Requires="p14">
       <p:transition spd="slow" p14:dur="2000">
         <p14:prism isContent="1"/>
       </p:transition>
     </mc:Choice>
-    <mc:Fallback>
+    <mc:Fallback xmlns="">
       <p:transition spd="slow">
         <p:fade/>
       </p:transition>
@@ -6121,7 +6283,10 @@
             <a:pPr marL="0" indent="0">
               <a:buNone/>
             </a:pPr>
-            <a:endParaRPr lang="en-US" dirty="0"/>
+            <a:endParaRPr lang="en-US" dirty="0">
+              <a:latin typeface="Arial" panose="020B0604020202020204" pitchFamily="34" charset="0"/>
+              <a:cs typeface="Arial" panose="020B0604020202020204" pitchFamily="34" charset="0"/>
+            </a:endParaRPr>
           </a:p>
         </p:txBody>
       </p:sp>
@@ -6302,7 +6467,10 @@
             <a:pPr marL="0" indent="0">
               <a:buNone/>
             </a:pPr>
-            <a:endParaRPr lang="en-US" dirty="0"/>
+            <a:endParaRPr lang="en-US" dirty="0">
+              <a:latin typeface="Arial" panose="020B0604020202020204" pitchFamily="34" charset="0"/>
+              <a:cs typeface="Arial" panose="020B0604020202020204" pitchFamily="34" charset="0"/>
+            </a:endParaRPr>
           </a:p>
         </p:txBody>
       </p:sp>
@@ -6331,6 +6499,8 @@
                 <a:solidFill>
                   <a:schemeClr val="tx2"/>
                 </a:solidFill>
+                <a:latin typeface="Arial" panose="020B0604020202020204" pitchFamily="34" charset="0"/>
+                <a:cs typeface="Arial" panose="020B0604020202020204" pitchFamily="34" charset="0"/>
               </a:rPr>
               <a:t>Algorithm-</a:t>
             </a:r>
@@ -6338,6 +6508,8 @@
               <a:solidFill>
                 <a:schemeClr val="tx2"/>
               </a:solidFill>
+              <a:latin typeface="Arial" panose="020B0604020202020204" pitchFamily="34" charset="0"/>
+              <a:cs typeface="Arial" panose="020B0604020202020204" pitchFamily="34" charset="0"/>
             </a:endParaRPr>
           </a:p>
         </p:txBody>
@@ -6369,6 +6541,8 @@
                 <a:solidFill>
                   <a:schemeClr val="tx2"/>
                 </a:solidFill>
+                <a:latin typeface="Arial" panose="020B0604020202020204" pitchFamily="34" charset="0"/>
+                <a:cs typeface="Arial" panose="020B0604020202020204" pitchFamily="34" charset="0"/>
               </a:rPr>
               <a:t>1.Start</a:t>
             </a:r>
@@ -6378,6 +6552,8 @@
               <a:solidFill>
                 <a:schemeClr val="tx2"/>
               </a:solidFill>
+              <a:latin typeface="Arial" panose="020B0604020202020204" pitchFamily="34" charset="0"/>
+              <a:cs typeface="Arial" panose="020B0604020202020204" pitchFamily="34" charset="0"/>
             </a:endParaRPr>
           </a:p>
           <a:p>
@@ -6386,6 +6562,8 @@
                 <a:solidFill>
                   <a:schemeClr val="tx2"/>
                 </a:solidFill>
+                <a:latin typeface="Arial" panose="020B0604020202020204" pitchFamily="34" charset="0"/>
+                <a:cs typeface="Arial" panose="020B0604020202020204" pitchFamily="34" charset="0"/>
               </a:rPr>
               <a:t>2.Input number</a:t>
             </a:r>
@@ -6395,6 +6573,8 @@
               <a:solidFill>
                 <a:schemeClr val="tx2"/>
               </a:solidFill>
+              <a:latin typeface="Arial" panose="020B0604020202020204" pitchFamily="34" charset="0"/>
+              <a:cs typeface="Arial" panose="020B0604020202020204" pitchFamily="34" charset="0"/>
             </a:endParaRPr>
           </a:p>
           <a:p>
@@ -6403,6 +6583,8 @@
                 <a:solidFill>
                   <a:schemeClr val="tx2"/>
                 </a:solidFill>
+                <a:latin typeface="Arial" panose="020B0604020202020204" pitchFamily="34" charset="0"/>
+                <a:cs typeface="Arial" panose="020B0604020202020204" pitchFamily="34" charset="0"/>
               </a:rPr>
               <a:t>3.i=2 ; Count=0</a:t>
             </a:r>
@@ -6412,6 +6594,8 @@
               <a:solidFill>
                 <a:schemeClr val="tx2"/>
               </a:solidFill>
+              <a:latin typeface="Arial" panose="020B0604020202020204" pitchFamily="34" charset="0"/>
+              <a:cs typeface="Arial" panose="020B0604020202020204" pitchFamily="34" charset="0"/>
             </a:endParaRPr>
           </a:p>
           <a:p>
@@ -6420,6 +6604,8 @@
                 <a:solidFill>
                   <a:schemeClr val="tx2"/>
                 </a:solidFill>
+                <a:latin typeface="Arial" panose="020B0604020202020204" pitchFamily="34" charset="0"/>
+                <a:cs typeface="Arial" panose="020B0604020202020204" pitchFamily="34" charset="0"/>
               </a:rPr>
               <a:t>4.Is i&lt;number</a:t>
             </a:r>
@@ -6430,6 +6616,8 @@
                 <a:solidFill>
                   <a:schemeClr val="tx2"/>
                 </a:solidFill>
+                <a:latin typeface="Arial" panose="020B0604020202020204" pitchFamily="34" charset="0"/>
+                <a:cs typeface="Arial" panose="020B0604020202020204" pitchFamily="34" charset="0"/>
               </a:rPr>
               <a:t> </a:t>
             </a:r>
@@ -6438,6 +6626,8 @@
                 <a:solidFill>
                   <a:schemeClr val="tx2"/>
                 </a:solidFill>
+                <a:latin typeface="Arial" panose="020B0604020202020204" pitchFamily="34" charset="0"/>
+                <a:cs typeface="Arial" panose="020B0604020202020204" pitchFamily="34" charset="0"/>
               </a:rPr>
               <a:t>         i)Yes,go to step 5</a:t>
             </a:r>
@@ -6448,6 +6638,8 @@
                 <a:solidFill>
                   <a:schemeClr val="tx2"/>
                 </a:solidFill>
+                <a:latin typeface="Arial" panose="020B0604020202020204" pitchFamily="34" charset="0"/>
+                <a:cs typeface="Arial" panose="020B0604020202020204" pitchFamily="34" charset="0"/>
               </a:rPr>
               <a:t> </a:t>
             </a:r>
@@ -6456,6 +6648,8 @@
                 <a:solidFill>
                   <a:schemeClr val="tx2"/>
                 </a:solidFill>
+                <a:latin typeface="Arial" panose="020B0604020202020204" pitchFamily="34" charset="0"/>
+                <a:cs typeface="Arial" panose="020B0604020202020204" pitchFamily="34" charset="0"/>
               </a:rPr>
               <a:t>         ii)No,go to step 4</a:t>
             </a:r>
@@ -6465,6 +6659,8 @@
               <a:solidFill>
                 <a:schemeClr val="tx2"/>
               </a:solidFill>
+              <a:latin typeface="Arial" panose="020B0604020202020204" pitchFamily="34" charset="0"/>
+              <a:cs typeface="Arial" panose="020B0604020202020204" pitchFamily="34" charset="0"/>
             </a:endParaRPr>
           </a:p>
           <a:p>
@@ -6473,6 +6669,8 @@
                 <a:solidFill>
                   <a:schemeClr val="tx2"/>
                 </a:solidFill>
+                <a:latin typeface="Arial" panose="020B0604020202020204" pitchFamily="34" charset="0"/>
+                <a:cs typeface="Arial" panose="020B0604020202020204" pitchFamily="34" charset="0"/>
               </a:rPr>
               <a:t>5.Is (number%i==0)</a:t>
             </a:r>
@@ -6483,6 +6681,8 @@
                 <a:solidFill>
                   <a:schemeClr val="tx2"/>
                 </a:solidFill>
+                <a:latin typeface="Arial" panose="020B0604020202020204" pitchFamily="34" charset="0"/>
+                <a:cs typeface="Arial" panose="020B0604020202020204" pitchFamily="34" charset="0"/>
               </a:rPr>
               <a:t> </a:t>
             </a:r>
@@ -6491,6 +6691,8 @@
                 <a:solidFill>
                   <a:schemeClr val="tx2"/>
                 </a:solidFill>
+                <a:latin typeface="Arial" panose="020B0604020202020204" pitchFamily="34" charset="0"/>
+                <a:cs typeface="Arial" panose="020B0604020202020204" pitchFamily="34" charset="0"/>
               </a:rPr>
               <a:t>         i)Yes,count++,go to step 5</a:t>
             </a:r>
@@ -6501,6 +6703,8 @@
                 <a:solidFill>
                   <a:schemeClr val="tx2"/>
                 </a:solidFill>
+                <a:latin typeface="Arial" panose="020B0604020202020204" pitchFamily="34" charset="0"/>
+                <a:cs typeface="Arial" panose="020B0604020202020204" pitchFamily="34" charset="0"/>
               </a:rPr>
               <a:t> </a:t>
             </a:r>
@@ -6509,6 +6713,8 @@
                 <a:solidFill>
                   <a:schemeClr val="tx2"/>
                 </a:solidFill>
+                <a:latin typeface="Arial" panose="020B0604020202020204" pitchFamily="34" charset="0"/>
+                <a:cs typeface="Arial" panose="020B0604020202020204" pitchFamily="34" charset="0"/>
               </a:rPr>
               <a:t>         ii)No,go to step 4</a:t>
             </a:r>
@@ -6518,6 +6724,8 @@
               <a:solidFill>
                 <a:schemeClr val="tx2"/>
               </a:solidFill>
+              <a:latin typeface="Arial" panose="020B0604020202020204" pitchFamily="34" charset="0"/>
+              <a:cs typeface="Arial" panose="020B0604020202020204" pitchFamily="34" charset="0"/>
             </a:endParaRPr>
           </a:p>
           <a:p>
@@ -6526,6 +6734,8 @@
                 <a:solidFill>
                   <a:schemeClr val="tx2"/>
                 </a:solidFill>
+                <a:latin typeface="Arial" panose="020B0604020202020204" pitchFamily="34" charset="0"/>
+                <a:cs typeface="Arial" panose="020B0604020202020204" pitchFamily="34" charset="0"/>
               </a:rPr>
               <a:t>6.Is (count==0)</a:t>
             </a:r>
@@ -6536,6 +6746,8 @@
                 <a:solidFill>
                   <a:schemeClr val="tx2"/>
                 </a:solidFill>
+                <a:latin typeface="Arial" panose="020B0604020202020204" pitchFamily="34" charset="0"/>
+                <a:cs typeface="Arial" panose="020B0604020202020204" pitchFamily="34" charset="0"/>
               </a:rPr>
               <a:t> </a:t>
             </a:r>
@@ -6544,6 +6756,8 @@
                 <a:solidFill>
                   <a:schemeClr val="tx2"/>
                 </a:solidFill>
+                <a:latin typeface="Arial" panose="020B0604020202020204" pitchFamily="34" charset="0"/>
+                <a:cs typeface="Arial" panose="020B0604020202020204" pitchFamily="34" charset="0"/>
               </a:rPr>
               <a:t>         i)Yes,print the number is prime</a:t>
             </a:r>
@@ -6554,6 +6768,8 @@
                 <a:solidFill>
                   <a:schemeClr val="tx2"/>
                 </a:solidFill>
+                <a:latin typeface="Arial" panose="020B0604020202020204" pitchFamily="34" charset="0"/>
+                <a:cs typeface="Arial" panose="020B0604020202020204" pitchFamily="34" charset="0"/>
               </a:rPr>
               <a:t> </a:t>
             </a:r>
@@ -6562,6 +6778,8 @@
                 <a:solidFill>
                   <a:schemeClr val="tx2"/>
                 </a:solidFill>
+                <a:latin typeface="Arial" panose="020B0604020202020204" pitchFamily="34" charset="0"/>
+                <a:cs typeface="Arial" panose="020B0604020202020204" pitchFamily="34" charset="0"/>
               </a:rPr>
               <a:t>         ii)No,print the number is not prime </a:t>
             </a:r>
@@ -6579,7 +6797,7 @@
     <a:masterClrMapping/>
   </p:clrMapOvr>
   <mc:AlternateContent xmlns:mc="http://schemas.openxmlformats.org/markup-compatibility/2006">
-    <mc:Choice xmlns:p15="http://schemas.microsoft.com/office/powerpoint/2012/main" Requires="p15">
+    <mc:Choice xmlns:p15="http://schemas.microsoft.com/office/powerpoint/2012/main" xmlns="" Requires="p15">
       <p:transition xmlns:p14="http://schemas.microsoft.com/office/powerpoint/2010/main" spd="slow" p14:dur="1250">
         <p15:prstTrans prst="peelOff"/>
       </p:transition>
@@ -6659,10 +6877,16 @@
           <a:p>
             <a:pPr algn="ctr"/>
             <a:r>
-              <a:rPr lang="en-US" sz="2000" dirty="0" smtClean="0"/>
+              <a:rPr lang="en-US" sz="2000" dirty="0" smtClean="0">
+                <a:latin typeface="Arial" panose="020B0604020202020204" pitchFamily="34" charset="0"/>
+                <a:cs typeface="Arial" panose="020B0604020202020204" pitchFamily="34" charset="0"/>
+              </a:rPr>
               <a:t>Start</a:t>
             </a:r>
-            <a:endParaRPr lang="en-US" sz="2000" dirty="0"/>
+            <a:endParaRPr lang="en-US" sz="2000" dirty="0">
+              <a:latin typeface="Arial" panose="020B0604020202020204" pitchFamily="34" charset="0"/>
+              <a:cs typeface="Arial" panose="020B0604020202020204" pitchFamily="34" charset="0"/>
+            </a:endParaRPr>
           </a:p>
         </p:txBody>
       </p:sp>
@@ -6708,10 +6932,16 @@
           <a:p>
             <a:pPr algn="ctr"/>
             <a:r>
-              <a:rPr lang="en-US" sz="2000" dirty="0" smtClean="0"/>
+              <a:rPr lang="en-US" sz="2000" dirty="0" smtClean="0">
+                <a:latin typeface="Arial" panose="020B0604020202020204" pitchFamily="34" charset="0"/>
+                <a:cs typeface="Arial" panose="020B0604020202020204" pitchFamily="34" charset="0"/>
+              </a:rPr>
               <a:t>Int num</a:t>
             </a:r>
-            <a:endParaRPr lang="en-US" sz="2000" dirty="0"/>
+            <a:endParaRPr lang="en-US" sz="2000" dirty="0">
+              <a:latin typeface="Arial" panose="020B0604020202020204" pitchFamily="34" charset="0"/>
+              <a:cs typeface="Arial" panose="020B0604020202020204" pitchFamily="34" charset="0"/>
+            </a:endParaRPr>
           </a:p>
         </p:txBody>
       </p:sp>
@@ -6757,10 +6987,16 @@
           <a:p>
             <a:pPr algn="ctr"/>
             <a:r>
-              <a:rPr lang="en-US" sz="2000" dirty="0" smtClean="0"/>
+              <a:rPr lang="en-US" sz="2000" dirty="0" smtClean="0">
+                <a:latin typeface="Arial" panose="020B0604020202020204" pitchFamily="34" charset="0"/>
+                <a:cs typeface="Arial" panose="020B0604020202020204" pitchFamily="34" charset="0"/>
+              </a:rPr>
               <a:t>i=2;count=0</a:t>
             </a:r>
-            <a:endParaRPr lang="en-US" sz="2000" dirty="0"/>
+            <a:endParaRPr lang="en-US" sz="2000" dirty="0">
+              <a:latin typeface="Arial" panose="020B0604020202020204" pitchFamily="34" charset="0"/>
+              <a:cs typeface="Arial" panose="020B0604020202020204" pitchFamily="34" charset="0"/>
+            </a:endParaRPr>
           </a:p>
         </p:txBody>
       </p:sp>
@@ -6806,10 +7042,16 @@
           <a:p>
             <a:pPr algn="ctr"/>
             <a:r>
-              <a:rPr lang="en-US" sz="2000" dirty="0" smtClean="0"/>
+              <a:rPr lang="en-US" sz="2000" dirty="0" smtClean="0">
+                <a:latin typeface="Arial" panose="020B0604020202020204" pitchFamily="34" charset="0"/>
+                <a:cs typeface="Arial" panose="020B0604020202020204" pitchFamily="34" charset="0"/>
+              </a:rPr>
               <a:t>i&lt;num</a:t>
             </a:r>
-            <a:endParaRPr lang="en-US" sz="2000" dirty="0"/>
+            <a:endParaRPr lang="en-US" sz="2000" dirty="0">
+              <a:latin typeface="Arial" panose="020B0604020202020204" pitchFamily="34" charset="0"/>
+              <a:cs typeface="Arial" panose="020B0604020202020204" pitchFamily="34" charset="0"/>
+            </a:endParaRPr>
           </a:p>
         </p:txBody>
       </p:sp>
@@ -6854,7 +7096,10 @@
           <a:lstStyle/>
           <a:p>
             <a:pPr algn="ctr"/>
-            <a:endParaRPr lang="en-US" sz="2400" dirty="0"/>
+            <a:endParaRPr lang="en-US" sz="2400" dirty="0">
+              <a:latin typeface="Arial" panose="020B0604020202020204" pitchFamily="34" charset="0"/>
+              <a:cs typeface="Arial" panose="020B0604020202020204" pitchFamily="34" charset="0"/>
+            </a:endParaRPr>
           </a:p>
         </p:txBody>
       </p:sp>
@@ -6899,7 +7144,10 @@
           <a:lstStyle/>
           <a:p>
             <a:pPr algn="ctr"/>
-            <a:endParaRPr lang="en-US" sz="2400" dirty="0"/>
+            <a:endParaRPr lang="en-US" sz="2400" dirty="0">
+              <a:latin typeface="Arial" panose="020B0604020202020204" pitchFamily="34" charset="0"/>
+              <a:cs typeface="Arial" panose="020B0604020202020204" pitchFamily="34" charset="0"/>
+            </a:endParaRPr>
           </a:p>
         </p:txBody>
       </p:sp>
@@ -6980,14 +7228,23 @@
           <a:p>
             <a:pPr algn="ctr"/>
             <a:r>
-              <a:rPr lang="en-US" sz="2000" dirty="0"/>
+              <a:rPr lang="en-US" sz="2000" dirty="0">
+                <a:latin typeface="Arial" panose="020B0604020202020204" pitchFamily="34" charset="0"/>
+                <a:cs typeface="Arial" panose="020B0604020202020204" pitchFamily="34" charset="0"/>
+              </a:rPr>
               <a:t>n</a:t>
             </a:r>
             <a:r>
-              <a:rPr lang="en-US" sz="2000" dirty="0" smtClean="0"/>
+              <a:rPr lang="en-US" sz="2000" dirty="0" smtClean="0">
+                <a:latin typeface="Arial" panose="020B0604020202020204" pitchFamily="34" charset="0"/>
+                <a:cs typeface="Arial" panose="020B0604020202020204" pitchFamily="34" charset="0"/>
+              </a:rPr>
               <a:t>um%2==0</a:t>
             </a:r>
-            <a:endParaRPr lang="en-US" sz="2000" dirty="0"/>
+            <a:endParaRPr lang="en-US" sz="2000" dirty="0">
+              <a:latin typeface="Arial" panose="020B0604020202020204" pitchFamily="34" charset="0"/>
+              <a:cs typeface="Arial" panose="020B0604020202020204" pitchFamily="34" charset="0"/>
+            </a:endParaRPr>
           </a:p>
         </p:txBody>
       </p:sp>
@@ -7032,7 +7289,10 @@
           <a:lstStyle/>
           <a:p>
             <a:pPr algn="ctr"/>
-            <a:endParaRPr lang="en-US" sz="2400" dirty="0"/>
+            <a:endParaRPr lang="en-US" sz="2400" dirty="0">
+              <a:latin typeface="Arial" panose="020B0604020202020204" pitchFamily="34" charset="0"/>
+              <a:cs typeface="Arial" panose="020B0604020202020204" pitchFamily="34" charset="0"/>
+            </a:endParaRPr>
           </a:p>
         </p:txBody>
       </p:sp>
@@ -7077,7 +7337,10 @@
           <a:lstStyle/>
           <a:p>
             <a:pPr algn="ctr"/>
-            <a:endParaRPr lang="en-US" sz="2400" dirty="0"/>
+            <a:endParaRPr lang="en-US" sz="2400" dirty="0">
+              <a:latin typeface="Arial" panose="020B0604020202020204" pitchFamily="34" charset="0"/>
+              <a:cs typeface="Arial" panose="020B0604020202020204" pitchFamily="34" charset="0"/>
+            </a:endParaRPr>
           </a:p>
         </p:txBody>
       </p:sp>
@@ -7156,10 +7419,16 @@
           <a:p>
             <a:pPr algn="ctr"/>
             <a:r>
-              <a:rPr lang="en-US" sz="2000" dirty="0" smtClean="0"/>
+              <a:rPr lang="en-US" sz="2000" dirty="0" smtClean="0">
+                <a:latin typeface="Arial" panose="020B0604020202020204" pitchFamily="34" charset="0"/>
+                <a:cs typeface="Arial" panose="020B0604020202020204" pitchFamily="34" charset="0"/>
+              </a:rPr>
               <a:t>i++</a:t>
             </a:r>
-            <a:endParaRPr lang="en-US" sz="2000" dirty="0"/>
+            <a:endParaRPr lang="en-US" sz="2000" dirty="0">
+              <a:latin typeface="Arial" panose="020B0604020202020204" pitchFamily="34" charset="0"/>
+              <a:cs typeface="Arial" panose="020B0604020202020204" pitchFamily="34" charset="0"/>
+            </a:endParaRPr>
           </a:p>
         </p:txBody>
       </p:sp>
@@ -7202,10 +7471,16 @@
           <a:p>
             <a:pPr algn="ctr"/>
             <a:r>
-              <a:rPr lang="en-US" sz="2000" dirty="0" smtClean="0"/>
+              <a:rPr lang="en-US" sz="2000" dirty="0" smtClean="0">
+                <a:latin typeface="Arial" panose="020B0604020202020204" pitchFamily="34" charset="0"/>
+                <a:cs typeface="Arial" panose="020B0604020202020204" pitchFamily="34" charset="0"/>
+              </a:rPr>
               <a:t>Yes</a:t>
             </a:r>
-            <a:endParaRPr lang="en-US" sz="2000" dirty="0"/>
+            <a:endParaRPr lang="en-US" sz="2000" dirty="0">
+              <a:latin typeface="Arial" panose="020B0604020202020204" pitchFamily="34" charset="0"/>
+              <a:cs typeface="Arial" panose="020B0604020202020204" pitchFamily="34" charset="0"/>
+            </a:endParaRPr>
           </a:p>
         </p:txBody>
       </p:sp>
@@ -7250,7 +7525,10 @@
           <a:lstStyle/>
           <a:p>
             <a:pPr algn="ctr"/>
-            <a:endParaRPr lang="en-US" sz="2400" dirty="0"/>
+            <a:endParaRPr lang="en-US" sz="2400" dirty="0">
+              <a:latin typeface="Arial" panose="020B0604020202020204" pitchFamily="34" charset="0"/>
+              <a:cs typeface="Arial" panose="020B0604020202020204" pitchFamily="34" charset="0"/>
+            </a:endParaRPr>
           </a:p>
         </p:txBody>
       </p:sp>
@@ -7293,14 +7571,23 @@
           <a:p>
             <a:pPr algn="ctr"/>
             <a:r>
-              <a:rPr lang="en-US" sz="2000" dirty="0"/>
+              <a:rPr lang="en-US" sz="2000" dirty="0">
+                <a:latin typeface="Arial" panose="020B0604020202020204" pitchFamily="34" charset="0"/>
+                <a:cs typeface="Arial" panose="020B0604020202020204" pitchFamily="34" charset="0"/>
+              </a:rPr>
               <a:t>N</a:t>
             </a:r>
             <a:r>
-              <a:rPr lang="en-US" sz="2000" dirty="0" smtClean="0"/>
+              <a:rPr lang="en-US" sz="2000" dirty="0" smtClean="0">
+                <a:latin typeface="Arial" panose="020B0604020202020204" pitchFamily="34" charset="0"/>
+                <a:cs typeface="Arial" panose="020B0604020202020204" pitchFamily="34" charset="0"/>
+              </a:rPr>
               <a:t>o</a:t>
             </a:r>
-            <a:endParaRPr lang="en-US" sz="2000" dirty="0"/>
+            <a:endParaRPr lang="en-US" sz="2000" dirty="0">
+              <a:latin typeface="Arial" panose="020B0604020202020204" pitchFamily="34" charset="0"/>
+              <a:cs typeface="Arial" panose="020B0604020202020204" pitchFamily="34" charset="0"/>
+            </a:endParaRPr>
           </a:p>
         </p:txBody>
       </p:sp>
@@ -7379,10 +7666,16 @@
           <a:p>
             <a:pPr algn="ctr"/>
             <a:r>
-              <a:rPr lang="en-US" sz="2000" dirty="0" smtClean="0"/>
+              <a:rPr lang="en-US" sz="2000" dirty="0" smtClean="0">
+                <a:latin typeface="Arial" panose="020B0604020202020204" pitchFamily="34" charset="0"/>
+                <a:cs typeface="Arial" panose="020B0604020202020204" pitchFamily="34" charset="0"/>
+              </a:rPr>
               <a:t>Count==0</a:t>
             </a:r>
-            <a:endParaRPr lang="en-US" sz="2000" dirty="0"/>
+            <a:endParaRPr lang="en-US" sz="2000" dirty="0">
+              <a:latin typeface="Arial" panose="020B0604020202020204" pitchFamily="34" charset="0"/>
+              <a:cs typeface="Arial" panose="020B0604020202020204" pitchFamily="34" charset="0"/>
+            </a:endParaRPr>
           </a:p>
         </p:txBody>
       </p:sp>
@@ -7428,10 +7721,16 @@
           <a:p>
             <a:pPr algn="ctr"/>
             <a:r>
-              <a:rPr lang="en-US" sz="2000" dirty="0" smtClean="0"/>
+              <a:rPr lang="en-US" sz="2000" dirty="0" smtClean="0">
+                <a:latin typeface="Arial" panose="020B0604020202020204" pitchFamily="34" charset="0"/>
+                <a:cs typeface="Arial" panose="020B0604020202020204" pitchFamily="34" charset="0"/>
+              </a:rPr>
               <a:t>count++</a:t>
             </a:r>
-            <a:endParaRPr lang="en-US" sz="2000" dirty="0"/>
+            <a:endParaRPr lang="en-US" sz="2000" dirty="0">
+              <a:latin typeface="Arial" panose="020B0604020202020204" pitchFamily="34" charset="0"/>
+              <a:cs typeface="Arial" panose="020B0604020202020204" pitchFamily="34" charset="0"/>
+            </a:endParaRPr>
           </a:p>
         </p:txBody>
       </p:sp>
@@ -7477,17 +7776,26 @@
           <a:p>
             <a:pPr algn="ctr"/>
             <a:r>
-              <a:rPr lang="en-US" sz="2000" dirty="0" smtClean="0"/>
+              <a:rPr lang="en-US" sz="2000" dirty="0" smtClean="0">
+                <a:latin typeface="Arial" panose="020B0604020202020204" pitchFamily="34" charset="0"/>
+                <a:cs typeface="Arial" panose="020B0604020202020204" pitchFamily="34" charset="0"/>
+              </a:rPr>
               <a:t>Print</a:t>
             </a:r>
           </a:p>
           <a:p>
             <a:pPr algn="ctr"/>
             <a:r>
-              <a:rPr lang="en-US" sz="2000" dirty="0" smtClean="0"/>
+              <a:rPr lang="en-US" sz="2000" dirty="0" smtClean="0">
+                <a:latin typeface="Arial" panose="020B0604020202020204" pitchFamily="34" charset="0"/>
+                <a:cs typeface="Arial" panose="020B0604020202020204" pitchFamily="34" charset="0"/>
+              </a:rPr>
               <a:t>prime</a:t>
             </a:r>
-            <a:endParaRPr lang="en-US" sz="2000" dirty="0"/>
+            <a:endParaRPr lang="en-US" sz="2000" dirty="0">
+              <a:latin typeface="Arial" panose="020B0604020202020204" pitchFamily="34" charset="0"/>
+              <a:cs typeface="Arial" panose="020B0604020202020204" pitchFamily="34" charset="0"/>
+            </a:endParaRPr>
           </a:p>
         </p:txBody>
       </p:sp>
@@ -7533,17 +7841,26 @@
           <a:p>
             <a:pPr algn="ctr"/>
             <a:r>
-              <a:rPr lang="en-US" dirty="0" smtClean="0"/>
+              <a:rPr lang="en-US" dirty="0" smtClean="0">
+                <a:latin typeface="Arial" panose="020B0604020202020204" pitchFamily="34" charset="0"/>
+                <a:cs typeface="Arial" panose="020B0604020202020204" pitchFamily="34" charset="0"/>
+              </a:rPr>
               <a:t>Print not</a:t>
             </a:r>
           </a:p>
           <a:p>
             <a:pPr algn="ctr"/>
             <a:r>
-              <a:rPr lang="en-US" dirty="0" smtClean="0"/>
+              <a:rPr lang="en-US" dirty="0" smtClean="0">
+                <a:latin typeface="Arial" panose="020B0604020202020204" pitchFamily="34" charset="0"/>
+                <a:cs typeface="Arial" panose="020B0604020202020204" pitchFamily="34" charset="0"/>
+              </a:rPr>
               <a:t>prime</a:t>
             </a:r>
-            <a:endParaRPr lang="en-US" dirty="0"/>
+            <a:endParaRPr lang="en-US" dirty="0">
+              <a:latin typeface="Arial" panose="020B0604020202020204" pitchFamily="34" charset="0"/>
+              <a:cs typeface="Arial" panose="020B0604020202020204" pitchFamily="34" charset="0"/>
+            </a:endParaRPr>
           </a:p>
         </p:txBody>
       </p:sp>
@@ -7586,14 +7903,23 @@
           <a:p>
             <a:pPr algn="ctr"/>
             <a:r>
-              <a:rPr lang="en-US" sz="2000" dirty="0"/>
+              <a:rPr lang="en-US" sz="2000" dirty="0">
+                <a:latin typeface="Arial" panose="020B0604020202020204" pitchFamily="34" charset="0"/>
+                <a:cs typeface="Arial" panose="020B0604020202020204" pitchFamily="34" charset="0"/>
+              </a:rPr>
               <a:t>N</a:t>
             </a:r>
             <a:r>
-              <a:rPr lang="en-US" sz="2000" dirty="0" smtClean="0"/>
+              <a:rPr lang="en-US" sz="2000" dirty="0" smtClean="0">
+                <a:latin typeface="Arial" panose="020B0604020202020204" pitchFamily="34" charset="0"/>
+                <a:cs typeface="Arial" panose="020B0604020202020204" pitchFamily="34" charset="0"/>
+              </a:rPr>
               <a:t>o</a:t>
             </a:r>
-            <a:endParaRPr lang="en-US" sz="2000" dirty="0"/>
+            <a:endParaRPr lang="en-US" sz="2000" dirty="0">
+              <a:latin typeface="Arial" panose="020B0604020202020204" pitchFamily="34" charset="0"/>
+              <a:cs typeface="Arial" panose="020B0604020202020204" pitchFamily="34" charset="0"/>
+            </a:endParaRPr>
           </a:p>
         </p:txBody>
       </p:sp>
@@ -7704,7 +8030,10 @@
           <a:lstStyle/>
           <a:p>
             <a:pPr algn="ctr"/>
-            <a:endParaRPr lang="en-US" sz="2400" dirty="0"/>
+            <a:endParaRPr lang="en-US" sz="2400" dirty="0">
+              <a:latin typeface="Arial" panose="020B0604020202020204" pitchFamily="34" charset="0"/>
+              <a:cs typeface="Arial" panose="020B0604020202020204" pitchFamily="34" charset="0"/>
+            </a:endParaRPr>
           </a:p>
         </p:txBody>
       </p:sp>
@@ -7749,7 +8078,10 @@
           <a:lstStyle/>
           <a:p>
             <a:pPr algn="ctr"/>
-            <a:endParaRPr lang="en-US" sz="2400" dirty="0"/>
+            <a:endParaRPr lang="en-US" sz="2400" dirty="0">
+              <a:latin typeface="Arial" panose="020B0604020202020204" pitchFamily="34" charset="0"/>
+              <a:cs typeface="Arial" panose="020B0604020202020204" pitchFamily="34" charset="0"/>
+            </a:endParaRPr>
           </a:p>
         </p:txBody>
       </p:sp>
@@ -7794,7 +8126,10 @@
           <a:lstStyle/>
           <a:p>
             <a:pPr algn="ctr"/>
-            <a:endParaRPr lang="en-US" sz="2400" dirty="0"/>
+            <a:endParaRPr lang="en-US" sz="2400" dirty="0">
+              <a:latin typeface="Arial" panose="020B0604020202020204" pitchFamily="34" charset="0"/>
+              <a:cs typeface="Arial" panose="020B0604020202020204" pitchFamily="34" charset="0"/>
+            </a:endParaRPr>
           </a:p>
         </p:txBody>
       </p:sp>
@@ -7839,7 +8174,10 @@
           <a:lstStyle/>
           <a:p>
             <a:pPr algn="ctr"/>
-            <a:endParaRPr lang="en-US" sz="2400" dirty="0"/>
+            <a:endParaRPr lang="en-US" sz="2400" dirty="0">
+              <a:latin typeface="Arial" panose="020B0604020202020204" pitchFamily="34" charset="0"/>
+              <a:cs typeface="Arial" panose="020B0604020202020204" pitchFamily="34" charset="0"/>
+            </a:endParaRPr>
           </a:p>
         </p:txBody>
       </p:sp>
@@ -7885,10 +8223,16 @@
           <a:p>
             <a:pPr algn="ctr"/>
             <a:r>
-              <a:rPr lang="en-US" sz="2000" dirty="0" smtClean="0"/>
+              <a:rPr lang="en-US" sz="2000" dirty="0" smtClean="0">
+                <a:latin typeface="Arial" panose="020B0604020202020204" pitchFamily="34" charset="0"/>
+                <a:cs typeface="Arial" panose="020B0604020202020204" pitchFamily="34" charset="0"/>
+              </a:rPr>
               <a:t>end</a:t>
             </a:r>
-            <a:endParaRPr lang="en-US" sz="2000" dirty="0"/>
+            <a:endParaRPr lang="en-US" sz="2000" dirty="0">
+              <a:latin typeface="Arial" panose="020B0604020202020204" pitchFamily="34" charset="0"/>
+              <a:cs typeface="Arial" panose="020B0604020202020204" pitchFamily="34" charset="0"/>
+            </a:endParaRPr>
           </a:p>
         </p:txBody>
       </p:sp>
@@ -7966,7 +8310,10 @@
           <a:lstStyle/>
           <a:p>
             <a:pPr algn="ctr"/>
-            <a:endParaRPr lang="en-US" sz="2400" dirty="0"/>
+            <a:endParaRPr lang="en-US" sz="2400" dirty="0">
+              <a:latin typeface="Arial" panose="020B0604020202020204" pitchFamily="34" charset="0"/>
+              <a:cs typeface="Arial" panose="020B0604020202020204" pitchFamily="34" charset="0"/>
+            </a:endParaRPr>
           </a:p>
         </p:txBody>
       </p:sp>
@@ -8008,15 +8355,24 @@
           <a:lstStyle/>
           <a:p>
             <a:pPr algn="ctr"/>
-            <a:endParaRPr lang="en-US" sz="2000" dirty="0"/>
+            <a:endParaRPr lang="en-US" sz="2000" dirty="0">
+              <a:latin typeface="Arial" panose="020B0604020202020204" pitchFamily="34" charset="0"/>
+              <a:cs typeface="Arial" panose="020B0604020202020204" pitchFamily="34" charset="0"/>
+            </a:endParaRPr>
           </a:p>
           <a:p>
             <a:pPr algn="ctr"/>
             <a:r>
-              <a:rPr lang="en-US" sz="2000" dirty="0" smtClean="0"/>
+              <a:rPr lang="en-US" sz="2000" dirty="0" smtClean="0">
+                <a:latin typeface="Arial" panose="020B0604020202020204" pitchFamily="34" charset="0"/>
+                <a:cs typeface="Arial" panose="020B0604020202020204" pitchFamily="34" charset="0"/>
+              </a:rPr>
               <a:t>Yes</a:t>
             </a:r>
-            <a:endParaRPr lang="en-US" sz="2000" dirty="0"/>
+            <a:endParaRPr lang="en-US" sz="2000" dirty="0">
+              <a:latin typeface="Arial" panose="020B0604020202020204" pitchFamily="34" charset="0"/>
+              <a:cs typeface="Arial" panose="020B0604020202020204" pitchFamily="34" charset="0"/>
+            </a:endParaRPr>
           </a:p>
         </p:txBody>
       </p:sp>
@@ -8059,10 +8415,16 @@
           <a:p>
             <a:pPr algn="ctr"/>
             <a:r>
-              <a:rPr lang="en-US" sz="2000" dirty="0" smtClean="0"/>
+              <a:rPr lang="en-US" sz="2000" dirty="0" smtClean="0">
+                <a:latin typeface="Arial" panose="020B0604020202020204" pitchFamily="34" charset="0"/>
+                <a:cs typeface="Arial" panose="020B0604020202020204" pitchFamily="34" charset="0"/>
+              </a:rPr>
               <a:t>Yes</a:t>
             </a:r>
-            <a:endParaRPr lang="en-US" sz="2000" dirty="0"/>
+            <a:endParaRPr lang="en-US" sz="2000" dirty="0">
+              <a:latin typeface="Arial" panose="020B0604020202020204" pitchFamily="34" charset="0"/>
+              <a:cs typeface="Arial" panose="020B0604020202020204" pitchFamily="34" charset="0"/>
+            </a:endParaRPr>
           </a:p>
         </p:txBody>
       </p:sp>
@@ -8105,14 +8467,23 @@
           <a:p>
             <a:pPr algn="ctr"/>
             <a:r>
-              <a:rPr lang="en-US" sz="2000" dirty="0"/>
+              <a:rPr lang="en-US" sz="2000" dirty="0">
+                <a:latin typeface="Arial" panose="020B0604020202020204" pitchFamily="34" charset="0"/>
+                <a:cs typeface="Arial" panose="020B0604020202020204" pitchFamily="34" charset="0"/>
+              </a:rPr>
               <a:t>N</a:t>
             </a:r>
             <a:r>
-              <a:rPr lang="en-US" sz="2000" dirty="0" smtClean="0"/>
+              <a:rPr lang="en-US" sz="2000" dirty="0" smtClean="0">
+                <a:latin typeface="Arial" panose="020B0604020202020204" pitchFamily="34" charset="0"/>
+                <a:cs typeface="Arial" panose="020B0604020202020204" pitchFamily="34" charset="0"/>
+              </a:rPr>
               <a:t>o</a:t>
             </a:r>
-            <a:endParaRPr lang="en-US" sz="2000" dirty="0"/>
+            <a:endParaRPr lang="en-US" sz="2000" dirty="0">
+              <a:latin typeface="Arial" panose="020B0604020202020204" pitchFamily="34" charset="0"/>
+              <a:cs typeface="Arial" panose="020B0604020202020204" pitchFamily="34" charset="0"/>
+            </a:endParaRPr>
           </a:p>
         </p:txBody>
       </p:sp>
@@ -8127,7 +8498,7 @@
     <a:masterClrMapping/>
   </p:clrMapOvr>
   <mc:AlternateContent xmlns:mc="http://schemas.openxmlformats.org/markup-compatibility/2006">
-    <mc:Choice xmlns:p15="http://schemas.microsoft.com/office/powerpoint/2012/main" Requires="p15">
+    <mc:Choice xmlns:p15="http://schemas.microsoft.com/office/powerpoint/2012/main" xmlns="" Requires="p15">
       <p:transition xmlns:p14="http://schemas.microsoft.com/office/powerpoint/2010/main" spd="slow" p14:dur="1250">
         <p15:prstTrans prst="peelOff"/>
       </p:transition>
@@ -8192,6 +8563,8 @@
                 <a:solidFill>
                   <a:schemeClr val="tx2"/>
                 </a:solidFill>
+                <a:latin typeface="Arial" panose="020B0604020202020204" pitchFamily="34" charset="0"/>
+                <a:cs typeface="Arial" panose="020B0604020202020204" pitchFamily="34" charset="0"/>
               </a:rPr>
               <a:t/>
             </a:r>
@@ -8200,6 +8573,8 @@
                 <a:solidFill>
                   <a:schemeClr val="tx2"/>
                 </a:solidFill>
+                <a:latin typeface="Arial" panose="020B0604020202020204" pitchFamily="34" charset="0"/>
+                <a:cs typeface="Arial" panose="020B0604020202020204" pitchFamily="34" charset="0"/>
               </a:rPr>
             </a:br>
             <a:r>
@@ -8207,6 +8582,8 @@
                 <a:solidFill>
                   <a:schemeClr val="tx2"/>
                 </a:solidFill>
+                <a:latin typeface="Arial" panose="020B0604020202020204" pitchFamily="34" charset="0"/>
+                <a:cs typeface="Arial" panose="020B0604020202020204" pitchFamily="34" charset="0"/>
               </a:rPr>
               <a:t>                     </a:t>
             </a:r>
@@ -8215,6 +8592,8 @@
                 <a:solidFill>
                   <a:schemeClr val="tx2"/>
                 </a:solidFill>
+                <a:latin typeface="Arial" panose="020B0604020202020204" pitchFamily="34" charset="0"/>
+                <a:cs typeface="Arial" panose="020B0604020202020204" pitchFamily="34" charset="0"/>
               </a:rPr>
               <a:t>Thank You!!!</a:t>
             </a:r>
@@ -8223,6 +8602,8 @@
                 <a:solidFill>
                   <a:schemeClr val="tx2"/>
                 </a:solidFill>
+                <a:latin typeface="Arial" panose="020B0604020202020204" pitchFamily="34" charset="0"/>
+                <a:cs typeface="Arial" panose="020B0604020202020204" pitchFamily="34" charset="0"/>
               </a:rPr>
             </a:br>
             <a:r>
@@ -8230,6 +8611,8 @@
                 <a:solidFill>
                   <a:schemeClr val="tx2"/>
                 </a:solidFill>
+                <a:latin typeface="Arial" panose="020B0604020202020204" pitchFamily="34" charset="0"/>
+                <a:cs typeface="Arial" panose="020B0604020202020204" pitchFamily="34" charset="0"/>
               </a:rPr>
               <a:t/>
             </a:r>
@@ -8238,6 +8621,8 @@
                 <a:solidFill>
                   <a:schemeClr val="tx2"/>
                 </a:solidFill>
+                <a:latin typeface="Arial" panose="020B0604020202020204" pitchFamily="34" charset="0"/>
+                <a:cs typeface="Arial" panose="020B0604020202020204" pitchFamily="34" charset="0"/>
               </a:rPr>
             </a:br>
             <a:r>
@@ -8245,6 +8630,8 @@
                 <a:solidFill>
                   <a:schemeClr val="tx2"/>
                 </a:solidFill>
+                <a:latin typeface="Arial" panose="020B0604020202020204" pitchFamily="34" charset="0"/>
+                <a:cs typeface="Arial" panose="020B0604020202020204" pitchFamily="34" charset="0"/>
               </a:rPr>
               <a:t/>
             </a:r>
@@ -8253,6 +8640,8 @@
                 <a:solidFill>
                   <a:schemeClr val="tx2"/>
                 </a:solidFill>
+                <a:latin typeface="Arial" panose="020B0604020202020204" pitchFamily="34" charset="0"/>
+                <a:cs typeface="Arial" panose="020B0604020202020204" pitchFamily="34" charset="0"/>
               </a:rPr>
             </a:br>
             <a:r>
@@ -8260,6 +8649,8 @@
                 <a:solidFill>
                   <a:schemeClr val="tx2"/>
                 </a:solidFill>
+                <a:latin typeface="Arial" panose="020B0604020202020204" pitchFamily="34" charset="0"/>
+                <a:cs typeface="Arial" panose="020B0604020202020204" pitchFamily="34" charset="0"/>
               </a:rPr>
               <a:t/>
             </a:r>
@@ -8268,6 +8659,8 @@
                 <a:solidFill>
                   <a:schemeClr val="tx2"/>
                 </a:solidFill>
+                <a:latin typeface="Arial" panose="020B0604020202020204" pitchFamily="34" charset="0"/>
+                <a:cs typeface="Arial" panose="020B0604020202020204" pitchFamily="34" charset="0"/>
               </a:rPr>
             </a:br>
             <a:r>
@@ -8275,6 +8668,8 @@
                 <a:solidFill>
                   <a:schemeClr val="tx2"/>
                 </a:solidFill>
+                <a:latin typeface="Arial" panose="020B0604020202020204" pitchFamily="34" charset="0"/>
+                <a:cs typeface="Arial" panose="020B0604020202020204" pitchFamily="34" charset="0"/>
               </a:rPr>
               <a:t>                     Any Question?</a:t>
             </a:r>
@@ -8283,6 +8678,8 @@
                 <a:solidFill>
                   <a:schemeClr val="tx2"/>
                 </a:solidFill>
+                <a:latin typeface="Arial" panose="020B0604020202020204" pitchFamily="34" charset="0"/>
+                <a:cs typeface="Arial" panose="020B0604020202020204" pitchFamily="34" charset="0"/>
               </a:rPr>
             </a:br>
             <a:r>
@@ -8290,6 +8687,8 @@
                 <a:solidFill>
                   <a:schemeClr val="tx2"/>
                 </a:solidFill>
+                <a:latin typeface="Arial" panose="020B0604020202020204" pitchFamily="34" charset="0"/>
+                <a:cs typeface="Arial" panose="020B0604020202020204" pitchFamily="34" charset="0"/>
               </a:rPr>
               <a:t/>
             </a:r>
@@ -8298,12 +8697,16 @@
                 <a:solidFill>
                   <a:schemeClr val="tx2"/>
                 </a:solidFill>
+                <a:latin typeface="Arial" panose="020B0604020202020204" pitchFamily="34" charset="0"/>
+                <a:cs typeface="Arial" panose="020B0604020202020204" pitchFamily="34" charset="0"/>
               </a:rPr>
             </a:br>
             <a:endParaRPr lang="en-US" sz="4000" dirty="0">
               <a:solidFill>
                 <a:schemeClr val="tx2"/>
               </a:solidFill>
+              <a:latin typeface="Arial" panose="020B0604020202020204" pitchFamily="34" charset="0"/>
+              <a:cs typeface="Arial" panose="020B0604020202020204" pitchFamily="34" charset="0"/>
             </a:endParaRPr>
           </a:p>
         </p:txBody>
@@ -8319,7 +8722,7 @@
     <a:masterClrMapping/>
   </p:clrMapOvr>
   <mc:AlternateContent xmlns:mc="http://schemas.openxmlformats.org/markup-compatibility/2006">
-    <mc:Choice xmlns:p15="http://schemas.microsoft.com/office/powerpoint/2012/main" Requires="p15">
+    <mc:Choice xmlns:p15="http://schemas.microsoft.com/office/powerpoint/2012/main" xmlns="" Requires="p15">
       <p:transition xmlns:p14="http://schemas.microsoft.com/office/powerpoint/2010/main" spd="slow" p14:dur="2000">
         <p15:prstTrans prst="crush"/>
       </p:transition>
@@ -8598,7 +9001,7 @@
   <a:extraClrSchemeLst/>
   <a:extLst>
     <a:ext uri="{05A4C25C-085E-4340-85A3-A5531E510DB2}">
-      <thm15:themeFamily xmlns:thm15="http://schemas.microsoft.com/office/thememl/2012/main" name="TF02801109.potx" id="{B47C65E8-9F73-4C4F-A3C2-84725F71438E}" vid="{CFC30A9F-F7E5-41F4-B6B7-D2E5B79E3BFB}"/>
+      <thm15:themeFamily xmlns:thm15="http://schemas.microsoft.com/office/thememl/2012/main" xmlns="" name="TF02801109.potx" id="{B47C65E8-9F73-4C4F-A3C2-84725F71438E}" vid="{CFC30A9F-F7E5-41F4-B6B7-D2E5B79E3BFB}"/>
     </a:ext>
   </a:extLst>
 </a:theme>
@@ -8997,6 +9400,141 @@
 </file>
 
 <file path=customXml/item1.xml><?xml version="1.0" encoding="utf-8"?>
+<p:properties xmlns:p="http://schemas.microsoft.com/office/2006/metadata/properties" xmlns:xsi="http://www.w3.org/2001/XMLSchema-instance" xmlns:pc="http://schemas.microsoft.com/office/infopath/2007/PartnerControls">
+  <documentManagement>
+    <DirectSourceMarket xmlns="4873beb7-5857-4685-be1f-d57550cc96cc" xsi:nil="true"/>
+    <ApprovalStatus xmlns="4873beb7-5857-4685-be1f-d57550cc96cc">InProgress</ApprovalStatus>
+    <MarketSpecific xmlns="4873beb7-5857-4685-be1f-d57550cc96cc">false</MarketSpecific>
+    <LocComments xmlns="4873beb7-5857-4685-be1f-d57550cc96cc" xsi:nil="true"/>
+    <ThumbnailAssetId xmlns="4873beb7-5857-4685-be1f-d57550cc96cc" xsi:nil="true"/>
+    <PrimaryImageGen xmlns="4873beb7-5857-4685-be1f-d57550cc96cc">false</PrimaryImageGen>
+    <LegacyData xmlns="4873beb7-5857-4685-be1f-d57550cc96cc" xsi:nil="true"/>
+    <LocRecommendedHandoff xmlns="4873beb7-5857-4685-be1f-d57550cc96cc" xsi:nil="true"/>
+    <BusinessGroup xmlns="4873beb7-5857-4685-be1f-d57550cc96cc" xsi:nil="true"/>
+    <BlockPublish xmlns="4873beb7-5857-4685-be1f-d57550cc96cc">false</BlockPublish>
+    <TPFriendlyName xmlns="4873beb7-5857-4685-be1f-d57550cc96cc" xsi:nil="true"/>
+    <NumericId xmlns="4873beb7-5857-4685-be1f-d57550cc96cc" xsi:nil="true"/>
+    <APEditor xmlns="4873beb7-5857-4685-be1f-d57550cc96cc">
+      <UserInfo>
+        <DisplayName/>
+        <AccountId xsi:nil="true"/>
+        <AccountType/>
+      </UserInfo>
+    </APEditor>
+    <SourceTitle xmlns="4873beb7-5857-4685-be1f-d57550cc96cc" xsi:nil="true"/>
+    <OpenTemplate xmlns="4873beb7-5857-4685-be1f-d57550cc96cc">true</OpenTemplate>
+    <UALocComments xmlns="4873beb7-5857-4685-be1f-d57550cc96cc" xsi:nil="true"/>
+    <ParentAssetId xmlns="4873beb7-5857-4685-be1f-d57550cc96cc" xsi:nil="true"/>
+    <IntlLangReviewDate xmlns="4873beb7-5857-4685-be1f-d57550cc96cc" xsi:nil="true"/>
+    <FeatureTagsTaxHTField0 xmlns="4873beb7-5857-4685-be1f-d57550cc96cc">
+      <Terms xmlns="http://schemas.microsoft.com/office/infopath/2007/PartnerControls"/>
+    </FeatureTagsTaxHTField0>
+    <PublishStatusLookup xmlns="4873beb7-5857-4685-be1f-d57550cc96cc">
+      <Value>1360506</Value>
+    </PublishStatusLookup>
+    <Providers xmlns="4873beb7-5857-4685-be1f-d57550cc96cc" xsi:nil="true"/>
+    <MachineTranslated xmlns="4873beb7-5857-4685-be1f-d57550cc96cc">false</MachineTranslated>
+    <OriginalSourceMarket xmlns="4873beb7-5857-4685-be1f-d57550cc96cc" xsi:nil="true"/>
+    <APDescription xmlns="4873beb7-5857-4685-be1f-d57550cc96cc" xsi:nil="true"/>
+    <ClipArtFilename xmlns="4873beb7-5857-4685-be1f-d57550cc96cc" xsi:nil="true"/>
+    <ContentItem xmlns="4873beb7-5857-4685-be1f-d57550cc96cc" xsi:nil="true"/>
+    <TPInstallLocation xmlns="4873beb7-5857-4685-be1f-d57550cc96cc" xsi:nil="true"/>
+    <PublishTargets xmlns="4873beb7-5857-4685-be1f-d57550cc96cc">OfficeOnlineVNext</PublishTargets>
+    <TimesCloned xmlns="4873beb7-5857-4685-be1f-d57550cc96cc" xsi:nil="true"/>
+    <AssetStart xmlns="4873beb7-5857-4685-be1f-d57550cc96cc">2011-12-12T13:37:00+00:00</AssetStart>
+    <Provider xmlns="4873beb7-5857-4685-be1f-d57550cc96cc" xsi:nil="true"/>
+    <AcquiredFrom xmlns="4873beb7-5857-4685-be1f-d57550cc96cc">Internal MS</AcquiredFrom>
+    <FriendlyTitle xmlns="4873beb7-5857-4685-be1f-d57550cc96cc" xsi:nil="true"/>
+    <LastHandOff xmlns="4873beb7-5857-4685-be1f-d57550cc96cc" xsi:nil="true"/>
+    <TPClientViewer xmlns="4873beb7-5857-4685-be1f-d57550cc96cc" xsi:nil="true"/>
+    <UACurrentWords xmlns="4873beb7-5857-4685-be1f-d57550cc96cc" xsi:nil="true"/>
+    <ArtSampleDocs xmlns="4873beb7-5857-4685-be1f-d57550cc96cc" xsi:nil="true"/>
+    <UALocRecommendation xmlns="4873beb7-5857-4685-be1f-d57550cc96cc">Localize</UALocRecommendation>
+    <Manager xmlns="4873beb7-5857-4685-be1f-d57550cc96cc" xsi:nil="true"/>
+    <ShowIn xmlns="4873beb7-5857-4685-be1f-d57550cc96cc">Show everywhere</ShowIn>
+    <UANotes xmlns="4873beb7-5857-4685-be1f-d57550cc96cc" xsi:nil="true"/>
+    <TemplateStatus xmlns="4873beb7-5857-4685-be1f-d57550cc96cc">Complete</TemplateStatus>
+    <InternalTagsTaxHTField0 xmlns="4873beb7-5857-4685-be1f-d57550cc96cc">
+      <Terms xmlns="http://schemas.microsoft.com/office/infopath/2007/PartnerControls"/>
+    </InternalTagsTaxHTField0>
+    <CSXHash xmlns="4873beb7-5857-4685-be1f-d57550cc96cc" xsi:nil="true"/>
+    <Downloads xmlns="4873beb7-5857-4685-be1f-d57550cc96cc">0</Downloads>
+    <VoteCount xmlns="4873beb7-5857-4685-be1f-d57550cc96cc" xsi:nil="true"/>
+    <OOCacheId xmlns="4873beb7-5857-4685-be1f-d57550cc96cc" xsi:nil="true"/>
+    <IsDeleted xmlns="4873beb7-5857-4685-be1f-d57550cc96cc">false</IsDeleted>
+    <AssetExpire xmlns="4873beb7-5857-4685-be1f-d57550cc96cc">2035-01-01T08:00:00+00:00</AssetExpire>
+    <DSATActionTaken xmlns="4873beb7-5857-4685-be1f-d57550cc96cc" xsi:nil="true"/>
+    <CSXSubmissionMarket xmlns="4873beb7-5857-4685-be1f-d57550cc96cc" xsi:nil="true"/>
+    <TPExecutable xmlns="4873beb7-5857-4685-be1f-d57550cc96cc" xsi:nil="true"/>
+    <SubmitterId xmlns="4873beb7-5857-4685-be1f-d57550cc96cc" xsi:nil="true"/>
+    <EditorialTags xmlns="4873beb7-5857-4685-be1f-d57550cc96cc" xsi:nil="true"/>
+    <ApprovalLog xmlns="4873beb7-5857-4685-be1f-d57550cc96cc" xsi:nil="true"/>
+    <AssetType xmlns="4873beb7-5857-4685-be1f-d57550cc96cc">TP</AssetType>
+    <BugNumber xmlns="4873beb7-5857-4685-be1f-d57550cc96cc" xsi:nil="true"/>
+    <CSXSubmissionDate xmlns="4873beb7-5857-4685-be1f-d57550cc96cc" xsi:nil="true"/>
+    <CSXUpdate xmlns="4873beb7-5857-4685-be1f-d57550cc96cc">false</CSXUpdate>
+    <Milestone xmlns="4873beb7-5857-4685-be1f-d57550cc96cc" xsi:nil="true"/>
+    <RecommendationsModifier xmlns="4873beb7-5857-4685-be1f-d57550cc96cc" xsi:nil="true"/>
+    <OriginAsset xmlns="4873beb7-5857-4685-be1f-d57550cc96cc" xsi:nil="true"/>
+    <TPComponent xmlns="4873beb7-5857-4685-be1f-d57550cc96cc" xsi:nil="true"/>
+    <AssetId xmlns="4873beb7-5857-4685-be1f-d57550cc96cc">TP102801108</AssetId>
+    <IntlLocPriority xmlns="4873beb7-5857-4685-be1f-d57550cc96cc" xsi:nil="true"/>
+    <PolicheckWords xmlns="4873beb7-5857-4685-be1f-d57550cc96cc" xsi:nil="true"/>
+    <TPLaunchHelpLink xmlns="4873beb7-5857-4685-be1f-d57550cc96cc" xsi:nil="true"/>
+    <TPApplication xmlns="4873beb7-5857-4685-be1f-d57550cc96cc" xsi:nil="true"/>
+    <CrawlForDependencies xmlns="4873beb7-5857-4685-be1f-d57550cc96cc">false</CrawlForDependencies>
+    <HandoffToMSDN xmlns="4873beb7-5857-4685-be1f-d57550cc96cc" xsi:nil="true"/>
+    <PlannedPubDate xmlns="4873beb7-5857-4685-be1f-d57550cc96cc" xsi:nil="true"/>
+    <IntlLangReviewer xmlns="4873beb7-5857-4685-be1f-d57550cc96cc" xsi:nil="true"/>
+    <TrustLevel xmlns="4873beb7-5857-4685-be1f-d57550cc96cc">1 Microsoft Managed Content</TrustLevel>
+    <LocLastLocAttemptVersionLookup xmlns="4873beb7-5857-4685-be1f-d57550cc96cc">706526</LocLastLocAttemptVersionLookup>
+    <IsSearchable xmlns="4873beb7-5857-4685-be1f-d57550cc96cc">true</IsSearchable>
+    <TemplateTemplateType xmlns="4873beb7-5857-4685-be1f-d57550cc96cc">PowerPoint Presentation Template</TemplateTemplateType>
+    <CampaignTagsTaxHTField0 xmlns="4873beb7-5857-4685-be1f-d57550cc96cc">
+      <Terms xmlns="http://schemas.microsoft.com/office/infopath/2007/PartnerControls"/>
+    </CampaignTagsTaxHTField0>
+    <TPNamespace xmlns="4873beb7-5857-4685-be1f-d57550cc96cc" xsi:nil="true"/>
+    <TaxCatchAll xmlns="4873beb7-5857-4685-be1f-d57550cc96cc"/>
+    <Markets xmlns="4873beb7-5857-4685-be1f-d57550cc96cc"/>
+    <UAProjectedTotalWords xmlns="4873beb7-5857-4685-be1f-d57550cc96cc" xsi:nil="true"/>
+    <IntlLangReview xmlns="4873beb7-5857-4685-be1f-d57550cc96cc">false</IntlLangReview>
+    <OutputCachingOn xmlns="4873beb7-5857-4685-be1f-d57550cc96cc">false</OutputCachingOn>
+    <AverageRating xmlns="4873beb7-5857-4685-be1f-d57550cc96cc" xsi:nil="true"/>
+    <APAuthor xmlns="4873beb7-5857-4685-be1f-d57550cc96cc">
+      <UserInfo>
+        <DisplayName>REDMOND\v-soujap</DisplayName>
+        <AccountId>1954</AccountId>
+        <AccountType/>
+      </UserInfo>
+    </APAuthor>
+    <LocManualTestRequired xmlns="4873beb7-5857-4685-be1f-d57550cc96cc">false</LocManualTestRequired>
+    <TPCommandLine xmlns="4873beb7-5857-4685-be1f-d57550cc96cc" xsi:nil="true"/>
+    <TPAppVersion xmlns="4873beb7-5857-4685-be1f-d57550cc96cc" xsi:nil="true"/>
+    <EditorialStatus xmlns="4873beb7-5857-4685-be1f-d57550cc96cc">Complete</EditorialStatus>
+    <LastModifiedDateTime xmlns="4873beb7-5857-4685-be1f-d57550cc96cc" xsi:nil="true"/>
+    <ScenarioTagsTaxHTField0 xmlns="4873beb7-5857-4685-be1f-d57550cc96cc">
+      <Terms xmlns="http://schemas.microsoft.com/office/infopath/2007/PartnerControls"/>
+    </ScenarioTagsTaxHTField0>
+    <OriginalRelease xmlns="4873beb7-5857-4685-be1f-d57550cc96cc">14</OriginalRelease>
+    <TPLaunchHelpLinkType xmlns="4873beb7-5857-4685-be1f-d57550cc96cc">Template</TPLaunchHelpLinkType>
+    <LocalizationTagsTaxHTField0 xmlns="4873beb7-5857-4685-be1f-d57550cc96cc">
+      <Terms xmlns="http://schemas.microsoft.com/office/infopath/2007/PartnerControls"/>
+    </LocalizationTagsTaxHTField0>
+    <LocMarketGroupTiers2 xmlns="4873beb7-5857-4685-be1f-d57550cc96cc" xsi:nil="true"/>
+  </documentManagement>
+</p:properties>
+</file>
+
+<file path=customXml/item2.xml><?xml version="1.0" encoding="utf-8"?>
+<?mso-contentType ?>
+<FormTemplates xmlns="http://schemas.microsoft.com/sharepoint/v3/contenttype/forms">
+  <Display>DocumentLibraryForm</Display>
+  <Edit>AssetEditForm</Edit>
+  <New>DocumentLibraryForm</New>
+</FormTemplates>
+</file>
+
+<file path=customXml/item3.xml><?xml version="1.0" encoding="utf-8"?>
 <ct:contentTypeSchema xmlns:ct="http://schemas.microsoft.com/office/2006/metadata/contentType" xmlns:ma="http://schemas.microsoft.com/office/2006/metadata/properties/metaAttributes" ct:_="" ma:_="" ma:contentTypeName="TemplateFile" ma:contentTypeID="0x0101006EDDDB5EE6D98C44930B742096920B300400F5B6D36B3EF94B4E9A635CDF2A18F5B8" ma:contentTypeVersion="72" ma:contentTypeDescription="Create a new document." ma:contentTypeScope="" ma:versionID="a23e56308344d904b51738559c3d67c9">
   <xsd:schema xmlns:xsd="http://www.w3.org/2001/XMLSchema" xmlns:xs="http://www.w3.org/2001/XMLSchema" xmlns:p="http://schemas.microsoft.com/office/2006/metadata/properties" xmlns:ns2="4873beb7-5857-4685-be1f-d57550cc96cc" targetNamespace="http://schemas.microsoft.com/office/2006/metadata/properties" ma:root="true" ma:fieldsID="cd0908cc4600e77bf5da051303e00c8d" ns2:_="">
     <xsd:import namespace="4873beb7-5857-4685-be1f-d57550cc96cc"/>
@@ -10036,142 +10574,31 @@
 </ct:contentTypeSchema>
 </file>
 
-<file path=customXml/item2.xml><?xml version="1.0" encoding="utf-8"?>
-<?mso-contentType ?>
-<FormTemplates xmlns="http://schemas.microsoft.com/sharepoint/v3/contenttype/forms">
-  <Display>DocumentLibraryForm</Display>
-  <Edit>AssetEditForm</Edit>
-  <New>DocumentLibraryForm</New>
-</FormTemplates>
+<file path=customXml/itemProps1.xml><?xml version="1.0" encoding="utf-8"?>
+<ds:datastoreItem xmlns:ds="http://schemas.openxmlformats.org/officeDocument/2006/customXml" ds:itemID="{0F249165-F638-412C-8E0A-DFB7045CA2E0}">
+  <ds:schemaRefs>
+    <ds:schemaRef ds:uri="http://purl.org/dc/terms/"/>
+    <ds:schemaRef ds:uri="http://schemas.openxmlformats.org/package/2006/metadata/core-properties"/>
+    <ds:schemaRef ds:uri="4873beb7-5857-4685-be1f-d57550cc96cc"/>
+    <ds:schemaRef ds:uri="http://purl.org/dc/dcmitype/"/>
+    <ds:schemaRef ds:uri="http://schemas.microsoft.com/office/2006/metadata/properties"/>
+    <ds:schemaRef ds:uri="http://www.w3.org/XML/1998/namespace"/>
+    <ds:schemaRef ds:uri="http://schemas.microsoft.com/office/2006/documentManagement/types"/>
+    <ds:schemaRef ds:uri="http://schemas.microsoft.com/office/infopath/2007/PartnerControls"/>
+    <ds:schemaRef ds:uri="http://purl.org/dc/elements/1.1/"/>
+  </ds:schemaRefs>
+</ds:datastoreItem>
 </file>
 
-<file path=customXml/item3.xml><?xml version="1.0" encoding="utf-8"?>
-<p:properties xmlns:p="http://schemas.microsoft.com/office/2006/metadata/properties" xmlns:xsi="http://www.w3.org/2001/XMLSchema-instance" xmlns:pc="http://schemas.microsoft.com/office/infopath/2007/PartnerControls">
-  <documentManagement>
-    <DirectSourceMarket xmlns="4873beb7-5857-4685-be1f-d57550cc96cc" xsi:nil="true"/>
-    <ApprovalStatus xmlns="4873beb7-5857-4685-be1f-d57550cc96cc">InProgress</ApprovalStatus>
-    <MarketSpecific xmlns="4873beb7-5857-4685-be1f-d57550cc96cc">false</MarketSpecific>
-    <LocComments xmlns="4873beb7-5857-4685-be1f-d57550cc96cc" xsi:nil="true"/>
-    <ThumbnailAssetId xmlns="4873beb7-5857-4685-be1f-d57550cc96cc" xsi:nil="true"/>
-    <PrimaryImageGen xmlns="4873beb7-5857-4685-be1f-d57550cc96cc">false</PrimaryImageGen>
-    <LegacyData xmlns="4873beb7-5857-4685-be1f-d57550cc96cc" xsi:nil="true"/>
-    <LocRecommendedHandoff xmlns="4873beb7-5857-4685-be1f-d57550cc96cc" xsi:nil="true"/>
-    <BusinessGroup xmlns="4873beb7-5857-4685-be1f-d57550cc96cc" xsi:nil="true"/>
-    <BlockPublish xmlns="4873beb7-5857-4685-be1f-d57550cc96cc">false</BlockPublish>
-    <TPFriendlyName xmlns="4873beb7-5857-4685-be1f-d57550cc96cc" xsi:nil="true"/>
-    <NumericId xmlns="4873beb7-5857-4685-be1f-d57550cc96cc" xsi:nil="true"/>
-    <APEditor xmlns="4873beb7-5857-4685-be1f-d57550cc96cc">
-      <UserInfo>
-        <DisplayName/>
-        <AccountId xsi:nil="true"/>
-        <AccountType/>
-      </UserInfo>
-    </APEditor>
-    <SourceTitle xmlns="4873beb7-5857-4685-be1f-d57550cc96cc" xsi:nil="true"/>
-    <OpenTemplate xmlns="4873beb7-5857-4685-be1f-d57550cc96cc">true</OpenTemplate>
-    <UALocComments xmlns="4873beb7-5857-4685-be1f-d57550cc96cc" xsi:nil="true"/>
-    <ParentAssetId xmlns="4873beb7-5857-4685-be1f-d57550cc96cc" xsi:nil="true"/>
-    <IntlLangReviewDate xmlns="4873beb7-5857-4685-be1f-d57550cc96cc" xsi:nil="true"/>
-    <FeatureTagsTaxHTField0 xmlns="4873beb7-5857-4685-be1f-d57550cc96cc">
-      <Terms xmlns="http://schemas.microsoft.com/office/infopath/2007/PartnerControls"/>
-    </FeatureTagsTaxHTField0>
-    <PublishStatusLookup xmlns="4873beb7-5857-4685-be1f-d57550cc96cc">
-      <Value>1360506</Value>
-    </PublishStatusLookup>
-    <Providers xmlns="4873beb7-5857-4685-be1f-d57550cc96cc" xsi:nil="true"/>
-    <MachineTranslated xmlns="4873beb7-5857-4685-be1f-d57550cc96cc">false</MachineTranslated>
-    <OriginalSourceMarket xmlns="4873beb7-5857-4685-be1f-d57550cc96cc" xsi:nil="true"/>
-    <APDescription xmlns="4873beb7-5857-4685-be1f-d57550cc96cc" xsi:nil="true"/>
-    <ClipArtFilename xmlns="4873beb7-5857-4685-be1f-d57550cc96cc" xsi:nil="true"/>
-    <ContentItem xmlns="4873beb7-5857-4685-be1f-d57550cc96cc" xsi:nil="true"/>
-    <TPInstallLocation xmlns="4873beb7-5857-4685-be1f-d57550cc96cc" xsi:nil="true"/>
-    <PublishTargets xmlns="4873beb7-5857-4685-be1f-d57550cc96cc">OfficeOnlineVNext</PublishTargets>
-    <TimesCloned xmlns="4873beb7-5857-4685-be1f-d57550cc96cc" xsi:nil="true"/>
-    <AssetStart xmlns="4873beb7-5857-4685-be1f-d57550cc96cc">2011-12-12T13:37:00+00:00</AssetStart>
-    <Provider xmlns="4873beb7-5857-4685-be1f-d57550cc96cc" xsi:nil="true"/>
-    <AcquiredFrom xmlns="4873beb7-5857-4685-be1f-d57550cc96cc">Internal MS</AcquiredFrom>
-    <FriendlyTitle xmlns="4873beb7-5857-4685-be1f-d57550cc96cc" xsi:nil="true"/>
-    <LastHandOff xmlns="4873beb7-5857-4685-be1f-d57550cc96cc" xsi:nil="true"/>
-    <TPClientViewer xmlns="4873beb7-5857-4685-be1f-d57550cc96cc" xsi:nil="true"/>
-    <UACurrentWords xmlns="4873beb7-5857-4685-be1f-d57550cc96cc" xsi:nil="true"/>
-    <ArtSampleDocs xmlns="4873beb7-5857-4685-be1f-d57550cc96cc" xsi:nil="true"/>
-    <UALocRecommendation xmlns="4873beb7-5857-4685-be1f-d57550cc96cc">Localize</UALocRecommendation>
-    <Manager xmlns="4873beb7-5857-4685-be1f-d57550cc96cc" xsi:nil="true"/>
-    <ShowIn xmlns="4873beb7-5857-4685-be1f-d57550cc96cc">Show everywhere</ShowIn>
-    <UANotes xmlns="4873beb7-5857-4685-be1f-d57550cc96cc" xsi:nil="true"/>
-    <TemplateStatus xmlns="4873beb7-5857-4685-be1f-d57550cc96cc">Complete</TemplateStatus>
-    <InternalTagsTaxHTField0 xmlns="4873beb7-5857-4685-be1f-d57550cc96cc">
-      <Terms xmlns="http://schemas.microsoft.com/office/infopath/2007/PartnerControls"/>
-    </InternalTagsTaxHTField0>
-    <CSXHash xmlns="4873beb7-5857-4685-be1f-d57550cc96cc" xsi:nil="true"/>
-    <Downloads xmlns="4873beb7-5857-4685-be1f-d57550cc96cc">0</Downloads>
-    <VoteCount xmlns="4873beb7-5857-4685-be1f-d57550cc96cc" xsi:nil="true"/>
-    <OOCacheId xmlns="4873beb7-5857-4685-be1f-d57550cc96cc" xsi:nil="true"/>
-    <IsDeleted xmlns="4873beb7-5857-4685-be1f-d57550cc96cc">false</IsDeleted>
-    <AssetExpire xmlns="4873beb7-5857-4685-be1f-d57550cc96cc">2035-01-01T08:00:00+00:00</AssetExpire>
-    <DSATActionTaken xmlns="4873beb7-5857-4685-be1f-d57550cc96cc" xsi:nil="true"/>
-    <CSXSubmissionMarket xmlns="4873beb7-5857-4685-be1f-d57550cc96cc" xsi:nil="true"/>
-    <TPExecutable xmlns="4873beb7-5857-4685-be1f-d57550cc96cc" xsi:nil="true"/>
-    <SubmitterId xmlns="4873beb7-5857-4685-be1f-d57550cc96cc" xsi:nil="true"/>
-    <EditorialTags xmlns="4873beb7-5857-4685-be1f-d57550cc96cc" xsi:nil="true"/>
-    <ApprovalLog xmlns="4873beb7-5857-4685-be1f-d57550cc96cc" xsi:nil="true"/>
-    <AssetType xmlns="4873beb7-5857-4685-be1f-d57550cc96cc">TP</AssetType>
-    <BugNumber xmlns="4873beb7-5857-4685-be1f-d57550cc96cc" xsi:nil="true"/>
-    <CSXSubmissionDate xmlns="4873beb7-5857-4685-be1f-d57550cc96cc" xsi:nil="true"/>
-    <CSXUpdate xmlns="4873beb7-5857-4685-be1f-d57550cc96cc">false</CSXUpdate>
-    <Milestone xmlns="4873beb7-5857-4685-be1f-d57550cc96cc" xsi:nil="true"/>
-    <RecommendationsModifier xmlns="4873beb7-5857-4685-be1f-d57550cc96cc" xsi:nil="true"/>
-    <OriginAsset xmlns="4873beb7-5857-4685-be1f-d57550cc96cc" xsi:nil="true"/>
-    <TPComponent xmlns="4873beb7-5857-4685-be1f-d57550cc96cc" xsi:nil="true"/>
-    <AssetId xmlns="4873beb7-5857-4685-be1f-d57550cc96cc">TP102801108</AssetId>
-    <IntlLocPriority xmlns="4873beb7-5857-4685-be1f-d57550cc96cc" xsi:nil="true"/>
-    <PolicheckWords xmlns="4873beb7-5857-4685-be1f-d57550cc96cc" xsi:nil="true"/>
-    <TPLaunchHelpLink xmlns="4873beb7-5857-4685-be1f-d57550cc96cc" xsi:nil="true"/>
-    <TPApplication xmlns="4873beb7-5857-4685-be1f-d57550cc96cc" xsi:nil="true"/>
-    <CrawlForDependencies xmlns="4873beb7-5857-4685-be1f-d57550cc96cc">false</CrawlForDependencies>
-    <HandoffToMSDN xmlns="4873beb7-5857-4685-be1f-d57550cc96cc" xsi:nil="true"/>
-    <PlannedPubDate xmlns="4873beb7-5857-4685-be1f-d57550cc96cc" xsi:nil="true"/>
-    <IntlLangReviewer xmlns="4873beb7-5857-4685-be1f-d57550cc96cc" xsi:nil="true"/>
-    <TrustLevel xmlns="4873beb7-5857-4685-be1f-d57550cc96cc">1 Microsoft Managed Content</TrustLevel>
-    <LocLastLocAttemptVersionLookup xmlns="4873beb7-5857-4685-be1f-d57550cc96cc">706526</LocLastLocAttemptVersionLookup>
-    <IsSearchable xmlns="4873beb7-5857-4685-be1f-d57550cc96cc">true</IsSearchable>
-    <TemplateTemplateType xmlns="4873beb7-5857-4685-be1f-d57550cc96cc">PowerPoint Presentation Template</TemplateTemplateType>
-    <CampaignTagsTaxHTField0 xmlns="4873beb7-5857-4685-be1f-d57550cc96cc">
-      <Terms xmlns="http://schemas.microsoft.com/office/infopath/2007/PartnerControls"/>
-    </CampaignTagsTaxHTField0>
-    <TPNamespace xmlns="4873beb7-5857-4685-be1f-d57550cc96cc" xsi:nil="true"/>
-    <TaxCatchAll xmlns="4873beb7-5857-4685-be1f-d57550cc96cc"/>
-    <Markets xmlns="4873beb7-5857-4685-be1f-d57550cc96cc"/>
-    <UAProjectedTotalWords xmlns="4873beb7-5857-4685-be1f-d57550cc96cc" xsi:nil="true"/>
-    <IntlLangReview xmlns="4873beb7-5857-4685-be1f-d57550cc96cc">false</IntlLangReview>
-    <OutputCachingOn xmlns="4873beb7-5857-4685-be1f-d57550cc96cc">false</OutputCachingOn>
-    <AverageRating xmlns="4873beb7-5857-4685-be1f-d57550cc96cc" xsi:nil="true"/>
-    <APAuthor xmlns="4873beb7-5857-4685-be1f-d57550cc96cc">
-      <UserInfo>
-        <DisplayName>REDMOND\v-soujap</DisplayName>
-        <AccountId>1954</AccountId>
-        <AccountType/>
-      </UserInfo>
-    </APAuthor>
-    <LocManualTestRequired xmlns="4873beb7-5857-4685-be1f-d57550cc96cc">false</LocManualTestRequired>
-    <TPCommandLine xmlns="4873beb7-5857-4685-be1f-d57550cc96cc" xsi:nil="true"/>
-    <TPAppVersion xmlns="4873beb7-5857-4685-be1f-d57550cc96cc" xsi:nil="true"/>
-    <EditorialStatus xmlns="4873beb7-5857-4685-be1f-d57550cc96cc">Complete</EditorialStatus>
-    <LastModifiedDateTime xmlns="4873beb7-5857-4685-be1f-d57550cc96cc" xsi:nil="true"/>
-    <ScenarioTagsTaxHTField0 xmlns="4873beb7-5857-4685-be1f-d57550cc96cc">
-      <Terms xmlns="http://schemas.microsoft.com/office/infopath/2007/PartnerControls"/>
-    </ScenarioTagsTaxHTField0>
-    <OriginalRelease xmlns="4873beb7-5857-4685-be1f-d57550cc96cc">14</OriginalRelease>
-    <TPLaunchHelpLinkType xmlns="4873beb7-5857-4685-be1f-d57550cc96cc">Template</TPLaunchHelpLinkType>
-    <LocalizationTagsTaxHTField0 xmlns="4873beb7-5857-4685-be1f-d57550cc96cc">
-      <Terms xmlns="http://schemas.microsoft.com/office/infopath/2007/PartnerControls"/>
-    </LocalizationTagsTaxHTField0>
-    <LocMarketGroupTiers2 xmlns="4873beb7-5857-4685-be1f-d57550cc96cc" xsi:nil="true"/>
-  </documentManagement>
-</p:properties>
+<file path=customXml/itemProps2.xml><?xml version="1.0" encoding="utf-8"?>
+<ds:datastoreItem xmlns:ds="http://schemas.openxmlformats.org/officeDocument/2006/customXml" ds:itemID="{211E33DF-2340-4F4E-B874-B73FEFEBFC8D}">
+  <ds:schemaRefs>
+    <ds:schemaRef ds:uri="http://schemas.microsoft.com/sharepoint/v3/contenttype/forms"/>
+  </ds:schemaRefs>
+</ds:datastoreItem>
 </file>
 
-<file path=customXml/itemProps1.xml><?xml version="1.0" encoding="utf-8"?>
+<file path=customXml/itemProps3.xml><?xml version="1.0" encoding="utf-8"?>
 <ds:datastoreItem xmlns:ds="http://schemas.openxmlformats.org/officeDocument/2006/customXml" ds:itemID="{4683C129-7B42-490A-AD74-E9303BC76D39}">
   <ds:schemaRefs>
     <ds:schemaRef ds:uri="http://schemas.microsoft.com/office/2006/metadata/contentType"/>
@@ -10187,28 +10614,4 @@
     <ds:schemaRef ds:uri="http://schemas.microsoft.com/internal/obd"/>
   </ds:schemaRefs>
 </ds:datastoreItem>
-</file>
-
-<file path=customXml/itemProps2.xml><?xml version="1.0" encoding="utf-8"?>
-<ds:datastoreItem xmlns:ds="http://schemas.openxmlformats.org/officeDocument/2006/customXml" ds:itemID="{211E33DF-2340-4F4E-B874-B73FEFEBFC8D}">
-  <ds:schemaRefs>
-    <ds:schemaRef ds:uri="http://schemas.microsoft.com/sharepoint/v3/contenttype/forms"/>
-  </ds:schemaRefs>
-</ds:datastoreItem>
-</file>
-
-<file path=customXml/itemProps3.xml><?xml version="1.0" encoding="utf-8"?>
-<ds:datastoreItem xmlns:ds="http://schemas.openxmlformats.org/officeDocument/2006/customXml" ds:itemID="{0F249165-F638-412C-8E0A-DFB7045CA2E0}">
-  <ds:schemaRefs>
-    <ds:schemaRef ds:uri="http://purl.org/dc/terms/"/>
-    <ds:schemaRef ds:uri="http://schemas.openxmlformats.org/package/2006/metadata/core-properties"/>
-    <ds:schemaRef ds:uri="4873beb7-5857-4685-be1f-d57550cc96cc"/>
-    <ds:schemaRef ds:uri="http://purl.org/dc/dcmitype/"/>
-    <ds:schemaRef ds:uri="http://schemas.microsoft.com/office/2006/metadata/properties"/>
-    <ds:schemaRef ds:uri="http://www.w3.org/XML/1998/namespace"/>
-    <ds:schemaRef ds:uri="http://schemas.microsoft.com/office/2006/documentManagement/types"/>
-    <ds:schemaRef ds:uri="http://schemas.microsoft.com/office/infopath/2007/PartnerControls"/>
-    <ds:schemaRef ds:uri="http://purl.org/dc/elements/1.1/"/>
-  </ds:schemaRefs>
-</ds:datastoreItem>
 </file>